--- a/Writing/Präsentation - Kopie - Kopie.pptx
+++ b/Writing/Präsentation - Kopie - Kopie.pptx
@@ -538,7 +538,7 @@
               <a:pPr>
                 <a:defRPr/>
               </a:pPr>
-              <a:t>‹#›</a:t>
+              <a:t>‹Nr.›</a:t>
             </a:fld>
             <a:endParaRPr lang="de-DE"/>
           </a:p>
@@ -957,7 +957,7 @@
               <a:pPr algn="l" rtl="0">
                 <a:defRPr/>
               </a:pPr>
-              <a:t>‹#›</a:t>
+              <a:t>‹Nr.›</a:t>
             </a:fld>
             <a:endParaRPr lang="en-GB"/>
           </a:p>
@@ -2329,6 +2329,22 @@
           <a:bodyPr/>
           <a:lstStyle/>
           <a:p>
+            <a:r>
+              <a:rPr lang="de-DE" dirty="0"/>
+              <a:t>End </a:t>
+            </a:r>
+            <a:r>
+              <a:rPr lang="de-DE" dirty="0" err="1"/>
+              <a:t>around</a:t>
+            </a:r>
+            <a:r>
+              <a:rPr lang="de-DE" dirty="0"/>
+              <a:t> 2 </a:t>
+            </a:r>
+            <a:r>
+              <a:rPr lang="de-DE" dirty="0" err="1"/>
+              <a:t>minds</a:t>
+            </a:r>
             <a:endParaRPr lang="de-DE" dirty="0"/>
           </a:p>
         </p:txBody>
@@ -2999,7 +3015,7 @@
             </a:r>
             <a:r>
               <a:rPr lang="de-DE" dirty="0"/>
-              <a:t> prompt</a:t>
+              <a:t> prompt   END AT 5 MINS</a:t>
             </a:r>
           </a:p>
         </p:txBody>
@@ -3639,7 +3655,7 @@
             <a:fld id="{78742581-81B1-425F-B25E-3CD197136A05}" type="slidenum">
               <a:rPr lang="en-GB" smtClean="0"/>
               <a:pPr algn="l" rtl="0"/>
-              <a:t>‹#›</a:t>
+              <a:t>‹Nr.›</a:t>
             </a:fld>
             <a:endParaRPr lang="en-GB" dirty="0"/>
           </a:p>
@@ -4151,7 +4167,7 @@
             <a:fld id="{78742581-81B1-425F-B25E-3CD197136A05}" type="slidenum">
               <a:rPr lang="en-GB" smtClean="0"/>
               <a:pPr algn="l" rtl="0"/>
-              <a:t>‹#›</a:t>
+              <a:t>‹Nr.›</a:t>
             </a:fld>
             <a:endParaRPr lang="en-GB" dirty="0"/>
           </a:p>
@@ -4663,7 +4679,7 @@
             <a:fld id="{78742581-81B1-425F-B25E-3CD197136A05}" type="slidenum">
               <a:rPr lang="en-GB" smtClean="0"/>
               <a:pPr algn="l" rtl="0"/>
-              <a:t>‹#›</a:t>
+              <a:t>‹Nr.›</a:t>
             </a:fld>
             <a:endParaRPr lang="en-GB" dirty="0"/>
           </a:p>
@@ -4988,7 +5004,7 @@
             <a:fld id="{78742581-81B1-425F-B25E-3CD197136A05}" type="slidenum">
               <a:rPr lang="en-GB" smtClean="0"/>
               <a:pPr algn="l" rtl="0"/>
-              <a:t>‹#›</a:t>
+              <a:t>‹Nr.›</a:t>
             </a:fld>
             <a:endParaRPr lang="en-GB" dirty="0"/>
           </a:p>
@@ -5456,7 +5472,7 @@
             <a:fld id="{78742581-81B1-425F-B25E-3CD197136A05}" type="slidenum">
               <a:rPr lang="en-GB" smtClean="0"/>
               <a:pPr algn="l" rtl="0"/>
-              <a:t>‹#›</a:t>
+              <a:t>‹Nr.›</a:t>
             </a:fld>
             <a:endParaRPr lang="en-GB" dirty="0"/>
           </a:p>
@@ -5740,7 +5756,7 @@
             <a:fld id="{78742581-81B1-425F-B25E-3CD197136A05}" type="slidenum">
               <a:rPr lang="en-GB" smtClean="0"/>
               <a:pPr algn="l" rtl="0"/>
-              <a:t>‹#›</a:t>
+              <a:t>‹Nr.›</a:t>
             </a:fld>
             <a:endParaRPr lang="en-GB" dirty="0"/>
           </a:p>
@@ -6098,7 +6114,7 @@
             <a:fld id="{78742581-81B1-425F-B25E-3CD197136A05}" type="slidenum">
               <a:rPr lang="en-GB" smtClean="0"/>
               <a:pPr algn="l" rtl="0"/>
-              <a:t>‹#›</a:t>
+              <a:t>‹Nr.›</a:t>
             </a:fld>
             <a:endParaRPr lang="en-GB" dirty="0"/>
           </a:p>
@@ -6493,7 +6509,7 @@
             <a:fld id="{78742581-81B1-425F-B25E-3CD197136A05}" type="slidenum">
               <a:rPr lang="en-GB" smtClean="0"/>
               <a:pPr algn="l" rtl="0"/>
-              <a:t>‹#›</a:t>
+              <a:t>‹Nr.›</a:t>
             </a:fld>
             <a:endParaRPr lang="en-GB" dirty="0"/>
           </a:p>
@@ -6881,7 +6897,7 @@
             <a:fld id="{78742581-81B1-425F-B25E-3CD197136A05}" type="slidenum">
               <a:rPr lang="en-GB" smtClean="0"/>
               <a:pPr algn="l" rtl="0"/>
-              <a:t>‹#›</a:t>
+              <a:t>‹Nr.›</a:t>
             </a:fld>
             <a:endParaRPr lang="en-GB" dirty="0"/>
           </a:p>
@@ -7276,7 +7292,7 @@
             <a:fld id="{78742581-81B1-425F-B25E-3CD197136A05}" type="slidenum">
               <a:rPr lang="en-GB" smtClean="0"/>
               <a:pPr algn="l" rtl="0"/>
-              <a:t>‹#›</a:t>
+              <a:t>‹Nr.›</a:t>
             </a:fld>
             <a:endParaRPr lang="en-GB" dirty="0"/>
           </a:p>
@@ -7627,7 +7643,7 @@
             <a:fld id="{78742581-81B1-425F-B25E-3CD197136A05}" type="slidenum">
               <a:rPr lang="en-GB" smtClean="0"/>
               <a:pPr algn="l" rtl="0"/>
-              <a:t>‹#›</a:t>
+              <a:t>‹Nr.›</a:t>
             </a:fld>
             <a:endParaRPr lang="en-GB" dirty="0"/>
           </a:p>
@@ -8068,7 +8084,7 @@
             <a:fld id="{78742581-81B1-425F-B25E-3CD197136A05}" type="slidenum">
               <a:rPr lang="en-GB" smtClean="0"/>
               <a:pPr algn="l" rtl="0"/>
-              <a:t>‹#›</a:t>
+              <a:t>‹Nr.›</a:t>
             </a:fld>
             <a:endParaRPr lang="en-GB" dirty="0"/>
           </a:p>
@@ -8463,7 +8479,7 @@
             <a:fld id="{78742581-81B1-425F-B25E-3CD197136A05}" type="slidenum">
               <a:rPr lang="en-GB" smtClean="0"/>
               <a:pPr algn="l" rtl="0"/>
-              <a:t>‹#›</a:t>
+              <a:t>‹Nr.›</a:t>
             </a:fld>
             <a:endParaRPr lang="en-GB" dirty="0"/>
           </a:p>
@@ -8870,7 +8886,7 @@
             <a:fld id="{78742581-81B1-425F-B25E-3CD197136A05}" type="slidenum">
               <a:rPr lang="en-GB" smtClean="0"/>
               <a:pPr algn="l" rtl="0"/>
-              <a:t>‹#›</a:t>
+              <a:t>‹Nr.›</a:t>
             </a:fld>
             <a:endParaRPr lang="en-GB" dirty="0"/>
           </a:p>
@@ -9336,7 +9352,7 @@
             <a:fld id="{78742581-81B1-425F-B25E-3CD197136A05}" type="slidenum">
               <a:rPr lang="en-GB" smtClean="0"/>
               <a:pPr algn="l" rtl="0"/>
-              <a:t>‹#›</a:t>
+              <a:t>‹Nr.›</a:t>
             </a:fld>
             <a:endParaRPr lang="en-GB" dirty="0"/>
           </a:p>
@@ -10237,7 +10253,7 @@
             <a:fld id="{78742581-81B1-425F-B25E-3CD197136A05}" type="slidenum">
               <a:rPr lang="en-GB" smtClean="0"/>
               <a:pPr algn="l" rtl="0"/>
-              <a:t>‹#›</a:t>
+              <a:t>‹Nr.›</a:t>
             </a:fld>
             <a:endParaRPr lang="en-GB" dirty="0"/>
           </a:p>
@@ -10672,7 +10688,7 @@
             <a:fld id="{78742581-81B1-425F-B25E-3CD197136A05}" type="slidenum">
               <a:rPr lang="en-GB" smtClean="0"/>
               <a:pPr algn="l" rtl="0"/>
-              <a:t>‹#›</a:t>
+              <a:t>‹Nr.›</a:t>
             </a:fld>
             <a:endParaRPr lang="en-GB" dirty="0"/>
           </a:p>
@@ -11215,7 +11231,7 @@
             <a:fld id="{78742581-81B1-425F-B25E-3CD197136A05}" type="slidenum">
               <a:rPr lang="en-GB" smtClean="0"/>
               <a:pPr algn="l" rtl="0"/>
-              <a:t>‹#›</a:t>
+              <a:t>‹Nr.›</a:t>
             </a:fld>
             <a:endParaRPr lang="en-GB" dirty="0"/>
           </a:p>
@@ -11790,7 +11806,7 @@
             <a:fld id="{78742581-81B1-425F-B25E-3CD197136A05}" type="slidenum">
               <a:rPr lang="en-GB" smtClean="0"/>
               <a:pPr algn="l" rtl="0"/>
-              <a:t>‹#›</a:t>
+              <a:t>‹Nr.›</a:t>
             </a:fld>
             <a:endParaRPr lang="en-GB" dirty="0"/>
           </a:p>
@@ -12365,7 +12381,7 @@
             <a:fld id="{78742581-81B1-425F-B25E-3CD197136A05}" type="slidenum">
               <a:rPr lang="en-GB" smtClean="0"/>
               <a:pPr algn="l" rtl="0"/>
-              <a:t>‹#›</a:t>
+              <a:t>‹Nr.›</a:t>
             </a:fld>
             <a:endParaRPr lang="en-GB" dirty="0"/>
           </a:p>
@@ -12654,7 +12670,7 @@
             <a:fld id="{78742581-81B1-425F-B25E-3CD197136A05}" type="slidenum">
               <a:rPr/>
               <a:pPr algn="l" rtl="0"/>
-              <a:t>‹#›</a:t>
+              <a:t>‹Nr.›</a:t>
             </a:fld>
             <a:endParaRPr lang="en-GB" dirty="0"/>
           </a:p>

--- a/Writing/Präsentation - Kopie - Kopie.pptx
+++ b/Writing/Präsentation - Kopie - Kopie.pptx
@@ -538,7 +538,7 @@
               <a:pPr>
                 <a:defRPr/>
               </a:pPr>
-              <a:t>‹Nr.›</a:t>
+              <a:t>‹#›</a:t>
             </a:fld>
             <a:endParaRPr lang="de-DE"/>
           </a:p>
@@ -957,7 +957,7 @@
               <a:pPr algn="l" rtl="0">
                 <a:defRPr/>
               </a:pPr>
-              <a:t>‹Nr.›</a:t>
+              <a:t>‹#›</a:t>
             </a:fld>
             <a:endParaRPr lang="en-GB"/>
           </a:p>
@@ -3655,7 +3655,7 @@
             <a:fld id="{78742581-81B1-425F-B25E-3CD197136A05}" type="slidenum">
               <a:rPr lang="en-GB" smtClean="0"/>
               <a:pPr algn="l" rtl="0"/>
-              <a:t>‹Nr.›</a:t>
+              <a:t>‹#›</a:t>
             </a:fld>
             <a:endParaRPr lang="en-GB" dirty="0"/>
           </a:p>
@@ -4167,7 +4167,7 @@
             <a:fld id="{78742581-81B1-425F-B25E-3CD197136A05}" type="slidenum">
               <a:rPr lang="en-GB" smtClean="0"/>
               <a:pPr algn="l" rtl="0"/>
-              <a:t>‹Nr.›</a:t>
+              <a:t>‹#›</a:t>
             </a:fld>
             <a:endParaRPr lang="en-GB" dirty="0"/>
           </a:p>
@@ -4679,7 +4679,7 @@
             <a:fld id="{78742581-81B1-425F-B25E-3CD197136A05}" type="slidenum">
               <a:rPr lang="en-GB" smtClean="0"/>
               <a:pPr algn="l" rtl="0"/>
-              <a:t>‹Nr.›</a:t>
+              <a:t>‹#›</a:t>
             </a:fld>
             <a:endParaRPr lang="en-GB" dirty="0"/>
           </a:p>
@@ -5004,7 +5004,7 @@
             <a:fld id="{78742581-81B1-425F-B25E-3CD197136A05}" type="slidenum">
               <a:rPr lang="en-GB" smtClean="0"/>
               <a:pPr algn="l" rtl="0"/>
-              <a:t>‹Nr.›</a:t>
+              <a:t>‹#›</a:t>
             </a:fld>
             <a:endParaRPr lang="en-GB" dirty="0"/>
           </a:p>
@@ -5472,7 +5472,7 @@
             <a:fld id="{78742581-81B1-425F-B25E-3CD197136A05}" type="slidenum">
               <a:rPr lang="en-GB" smtClean="0"/>
               <a:pPr algn="l" rtl="0"/>
-              <a:t>‹Nr.›</a:t>
+              <a:t>‹#›</a:t>
             </a:fld>
             <a:endParaRPr lang="en-GB" dirty="0"/>
           </a:p>
@@ -5756,7 +5756,7 @@
             <a:fld id="{78742581-81B1-425F-B25E-3CD197136A05}" type="slidenum">
               <a:rPr lang="en-GB" smtClean="0"/>
               <a:pPr algn="l" rtl="0"/>
-              <a:t>‹Nr.›</a:t>
+              <a:t>‹#›</a:t>
             </a:fld>
             <a:endParaRPr lang="en-GB" dirty="0"/>
           </a:p>
@@ -6114,7 +6114,7 @@
             <a:fld id="{78742581-81B1-425F-B25E-3CD197136A05}" type="slidenum">
               <a:rPr lang="en-GB" smtClean="0"/>
               <a:pPr algn="l" rtl="0"/>
-              <a:t>‹Nr.›</a:t>
+              <a:t>‹#›</a:t>
             </a:fld>
             <a:endParaRPr lang="en-GB" dirty="0"/>
           </a:p>
@@ -6509,7 +6509,7 @@
             <a:fld id="{78742581-81B1-425F-B25E-3CD197136A05}" type="slidenum">
               <a:rPr lang="en-GB" smtClean="0"/>
               <a:pPr algn="l" rtl="0"/>
-              <a:t>‹Nr.›</a:t>
+              <a:t>‹#›</a:t>
             </a:fld>
             <a:endParaRPr lang="en-GB" dirty="0"/>
           </a:p>
@@ -6897,7 +6897,7 @@
             <a:fld id="{78742581-81B1-425F-B25E-3CD197136A05}" type="slidenum">
               <a:rPr lang="en-GB" smtClean="0"/>
               <a:pPr algn="l" rtl="0"/>
-              <a:t>‹Nr.›</a:t>
+              <a:t>‹#›</a:t>
             </a:fld>
             <a:endParaRPr lang="en-GB" dirty="0"/>
           </a:p>
@@ -7292,7 +7292,7 @@
             <a:fld id="{78742581-81B1-425F-B25E-3CD197136A05}" type="slidenum">
               <a:rPr lang="en-GB" smtClean="0"/>
               <a:pPr algn="l" rtl="0"/>
-              <a:t>‹Nr.›</a:t>
+              <a:t>‹#›</a:t>
             </a:fld>
             <a:endParaRPr lang="en-GB" dirty="0"/>
           </a:p>
@@ -7643,7 +7643,7 @@
             <a:fld id="{78742581-81B1-425F-B25E-3CD197136A05}" type="slidenum">
               <a:rPr lang="en-GB" smtClean="0"/>
               <a:pPr algn="l" rtl="0"/>
-              <a:t>‹Nr.›</a:t>
+              <a:t>‹#›</a:t>
             </a:fld>
             <a:endParaRPr lang="en-GB" dirty="0"/>
           </a:p>
@@ -8084,7 +8084,7 @@
             <a:fld id="{78742581-81B1-425F-B25E-3CD197136A05}" type="slidenum">
               <a:rPr lang="en-GB" smtClean="0"/>
               <a:pPr algn="l" rtl="0"/>
-              <a:t>‹Nr.›</a:t>
+              <a:t>‹#›</a:t>
             </a:fld>
             <a:endParaRPr lang="en-GB" dirty="0"/>
           </a:p>
@@ -8479,7 +8479,7 @@
             <a:fld id="{78742581-81B1-425F-B25E-3CD197136A05}" type="slidenum">
               <a:rPr lang="en-GB" smtClean="0"/>
               <a:pPr algn="l" rtl="0"/>
-              <a:t>‹Nr.›</a:t>
+              <a:t>‹#›</a:t>
             </a:fld>
             <a:endParaRPr lang="en-GB" dirty="0"/>
           </a:p>
@@ -8886,7 +8886,7 @@
             <a:fld id="{78742581-81B1-425F-B25E-3CD197136A05}" type="slidenum">
               <a:rPr lang="en-GB" smtClean="0"/>
               <a:pPr algn="l" rtl="0"/>
-              <a:t>‹Nr.›</a:t>
+              <a:t>‹#›</a:t>
             </a:fld>
             <a:endParaRPr lang="en-GB" dirty="0"/>
           </a:p>
@@ -9352,7 +9352,7 @@
             <a:fld id="{78742581-81B1-425F-B25E-3CD197136A05}" type="slidenum">
               <a:rPr lang="en-GB" smtClean="0"/>
               <a:pPr algn="l" rtl="0"/>
-              <a:t>‹Nr.›</a:t>
+              <a:t>‹#›</a:t>
             </a:fld>
             <a:endParaRPr lang="en-GB" dirty="0"/>
           </a:p>
@@ -10253,7 +10253,7 @@
             <a:fld id="{78742581-81B1-425F-B25E-3CD197136A05}" type="slidenum">
               <a:rPr lang="en-GB" smtClean="0"/>
               <a:pPr algn="l" rtl="0"/>
-              <a:t>‹Nr.›</a:t>
+              <a:t>‹#›</a:t>
             </a:fld>
             <a:endParaRPr lang="en-GB" dirty="0"/>
           </a:p>
@@ -10688,7 +10688,7 @@
             <a:fld id="{78742581-81B1-425F-B25E-3CD197136A05}" type="slidenum">
               <a:rPr lang="en-GB" smtClean="0"/>
               <a:pPr algn="l" rtl="0"/>
-              <a:t>‹Nr.›</a:t>
+              <a:t>‹#›</a:t>
             </a:fld>
             <a:endParaRPr lang="en-GB" dirty="0"/>
           </a:p>
@@ -11231,7 +11231,7 @@
             <a:fld id="{78742581-81B1-425F-B25E-3CD197136A05}" type="slidenum">
               <a:rPr lang="en-GB" smtClean="0"/>
               <a:pPr algn="l" rtl="0"/>
-              <a:t>‹Nr.›</a:t>
+              <a:t>‹#›</a:t>
             </a:fld>
             <a:endParaRPr lang="en-GB" dirty="0"/>
           </a:p>
@@ -11806,7 +11806,7 @@
             <a:fld id="{78742581-81B1-425F-B25E-3CD197136A05}" type="slidenum">
               <a:rPr lang="en-GB" smtClean="0"/>
               <a:pPr algn="l" rtl="0"/>
-              <a:t>‹Nr.›</a:t>
+              <a:t>‹#›</a:t>
             </a:fld>
             <a:endParaRPr lang="en-GB" dirty="0"/>
           </a:p>
@@ -12381,7 +12381,7 @@
             <a:fld id="{78742581-81B1-425F-B25E-3CD197136A05}" type="slidenum">
               <a:rPr lang="en-GB" smtClean="0"/>
               <a:pPr algn="l" rtl="0"/>
-              <a:t>‹Nr.›</a:t>
+              <a:t>‹#›</a:t>
             </a:fld>
             <a:endParaRPr lang="en-GB" dirty="0"/>
           </a:p>
@@ -12670,7 +12670,7 @@
             <a:fld id="{78742581-81B1-425F-B25E-3CD197136A05}" type="slidenum">
               <a:rPr/>
               <a:pPr algn="l" rtl="0"/>
-              <a:t>‹Nr.›</a:t>
+              <a:t>‹#›</a:t>
             </a:fld>
             <a:endParaRPr lang="en-GB" dirty="0"/>
           </a:p>
@@ -14191,6 +14191,1572 @@
           </a:p>
         </p:txBody>
       </p:sp>
+      <p:sp>
+        <p:nvSpPr>
+          <p:cNvPr id="3" name="Rectangle 2">
+            <a:extLst>
+              <a:ext uri="{FF2B5EF4-FFF2-40B4-BE49-F238E27FC236}">
+                <a16:creationId xmlns:a16="http://schemas.microsoft.com/office/drawing/2014/main" id="{86CC0173-C709-5660-4115-8BA641922B50}"/>
+              </a:ext>
+            </a:extLst>
+          </p:cNvPr>
+          <p:cNvSpPr/>
+          <p:nvPr/>
+        </p:nvSpPr>
+        <p:spPr bwMode="auto">
+          <a:xfrm>
+            <a:off x="765335" y="5157192"/>
+            <a:ext cx="3456384" cy="161132"/>
+          </a:xfrm>
+          <a:prstGeom prst="rect">
+            <a:avLst/>
+          </a:prstGeom>
+          <a:solidFill>
+            <a:schemeClr val="tx1"/>
+          </a:solidFill>
+          <a:ln w="19050" cap="flat" cmpd="sng" algn="ctr">
+            <a:solidFill>
+              <a:schemeClr val="tx1"/>
+            </a:solidFill>
+            <a:prstDash val="solid"/>
+            <a:round/>
+            <a:headEnd type="none" w="med" len="med"/>
+            <a:tailEnd type="none" w="med" len="med"/>
+          </a:ln>
+          <a:effectLst/>
+        </p:spPr>
+        <p:txBody>
+          <a:bodyPr vert="horz" wrap="square" lIns="90000" tIns="46800" rIns="90000" bIns="46800" numCol="1" rtlCol="0" anchor="ctr" anchorCtr="0" compatLnSpc="1">
+            <a:prstTxWarp prst="textNoShape">
+              <a:avLst/>
+            </a:prstTxWarp>
+          </a:bodyPr>
+          <a:lstStyle/>
+          <a:p>
+            <a:pPr marL="0" marR="0" indent="0" algn="ctr" defTabSz="914400" rtl="0" eaLnBrk="0" fontAlgn="base" latinLnBrk="0" hangingPunct="0">
+              <a:lnSpc>
+                <a:spcPct val="100000"/>
+              </a:lnSpc>
+              <a:spcBef>
+                <a:spcPct val="20000"/>
+              </a:spcBef>
+              <a:spcAft>
+                <a:spcPct val="0"/>
+              </a:spcAft>
+              <a:buClrTx/>
+              <a:buSzTx/>
+              <a:buFontTx/>
+              <a:buNone/>
+              <a:tabLst/>
+            </a:pPr>
+            <a:endParaRPr kumimoji="0" lang="en-US" sz="1800" b="0" i="0" u="none" strike="noStrike" cap="none" normalizeH="0" baseline="0">
+              <a:ln>
+                <a:noFill/>
+              </a:ln>
+              <a:solidFill>
+                <a:srgbClr val="000066"/>
+              </a:solidFill>
+              <a:effectLst/>
+              <a:latin typeface="Arial" charset="0"/>
+            </a:endParaRPr>
+          </a:p>
+        </p:txBody>
+      </p:sp>
+      <p:sp>
+        <p:nvSpPr>
+          <p:cNvPr id="6" name="Textplatzhalter 8">
+            <a:extLst>
+              <a:ext uri="{FF2B5EF4-FFF2-40B4-BE49-F238E27FC236}">
+                <a16:creationId xmlns:a16="http://schemas.microsoft.com/office/drawing/2014/main" id="{84C3A1A3-769E-22BC-F4A5-14FEDE2FAFCC}"/>
+              </a:ext>
+            </a:extLst>
+          </p:cNvPr>
+          <p:cNvSpPr txBox="1">
+            <a:spLocks/>
+          </p:cNvSpPr>
+          <p:nvPr/>
+        </p:nvSpPr>
+        <p:spPr>
+          <a:xfrm>
+            <a:off x="654581" y="5031428"/>
+            <a:ext cx="1046033" cy="539559"/>
+          </a:xfrm>
+          <a:prstGeom prst="rect">
+            <a:avLst/>
+          </a:prstGeom>
+        </p:spPr>
+        <p:txBody>
+          <a:bodyPr lIns="216000" anchor="ctr" anchorCtr="0">
+            <a:normAutofit/>
+          </a:bodyPr>
+          <a:lstStyle>
+            <a:lvl1pPr marL="342900" indent="-342900" algn="l" rtl="0" eaLnBrk="1" fontAlgn="base" hangingPunct="1">
+              <a:spcBef>
+                <a:spcPts val="600"/>
+              </a:spcBef>
+              <a:spcAft>
+                <a:spcPts val="600"/>
+              </a:spcAft>
+              <a:buChar char="•"/>
+              <a:defRPr sz="2000">
+                <a:solidFill>
+                  <a:schemeClr val="bg1"/>
+                </a:solidFill>
+                <a:latin typeface="+mn-lt"/>
+                <a:ea typeface="+mn-ea"/>
+                <a:cs typeface="+mn-cs"/>
+              </a:defRPr>
+            </a:lvl1pPr>
+            <a:lvl2pPr marL="742950" indent="-285750" algn="l" rtl="0" eaLnBrk="1" fontAlgn="base" hangingPunct="1">
+              <a:spcBef>
+                <a:spcPct val="20000"/>
+              </a:spcBef>
+              <a:spcAft>
+                <a:spcPct val="0"/>
+              </a:spcAft>
+              <a:buChar char="–"/>
+              <a:defRPr sz="1800">
+                <a:solidFill>
+                  <a:srgbClr val="4D4D4D"/>
+                </a:solidFill>
+                <a:latin typeface="+mn-lt"/>
+              </a:defRPr>
+            </a:lvl2pPr>
+            <a:lvl3pPr marL="1143000" indent="-228600" algn="l" rtl="0" eaLnBrk="1" fontAlgn="base" hangingPunct="1">
+              <a:spcBef>
+                <a:spcPct val="20000"/>
+              </a:spcBef>
+              <a:spcAft>
+                <a:spcPct val="0"/>
+              </a:spcAft>
+              <a:buChar char="•"/>
+              <a:defRPr sz="1600">
+                <a:solidFill>
+                  <a:srgbClr val="4D4D4D"/>
+                </a:solidFill>
+                <a:latin typeface="+mn-lt"/>
+              </a:defRPr>
+            </a:lvl3pPr>
+            <a:lvl4pPr marL="1600200" indent="-228600" algn="l" rtl="0" eaLnBrk="1" fontAlgn="base" hangingPunct="1">
+              <a:spcBef>
+                <a:spcPct val="20000"/>
+              </a:spcBef>
+              <a:spcAft>
+                <a:spcPct val="0"/>
+              </a:spcAft>
+              <a:buChar char="–"/>
+              <a:defRPr sz="1400">
+                <a:solidFill>
+                  <a:srgbClr val="4D4D4D"/>
+                </a:solidFill>
+                <a:latin typeface="+mn-lt"/>
+              </a:defRPr>
+            </a:lvl4pPr>
+            <a:lvl5pPr marL="2057400" indent="-228600" algn="l" rtl="0" eaLnBrk="1" fontAlgn="base" hangingPunct="1">
+              <a:spcBef>
+                <a:spcPct val="20000"/>
+              </a:spcBef>
+              <a:spcAft>
+                <a:spcPct val="0"/>
+              </a:spcAft>
+              <a:buChar char="»"/>
+              <a:defRPr sz="1200">
+                <a:solidFill>
+                  <a:srgbClr val="4D4D4D"/>
+                </a:solidFill>
+                <a:latin typeface="+mn-lt"/>
+              </a:defRPr>
+            </a:lvl5pPr>
+            <a:lvl6pPr marL="2514600" indent="-228600" algn="l" rtl="0" eaLnBrk="1" fontAlgn="base" hangingPunct="1">
+              <a:spcBef>
+                <a:spcPct val="20000"/>
+              </a:spcBef>
+              <a:spcAft>
+                <a:spcPct val="0"/>
+              </a:spcAft>
+              <a:buChar char="»"/>
+              <a:defRPr sz="1600">
+                <a:solidFill>
+                  <a:srgbClr val="4D4D4D"/>
+                </a:solidFill>
+                <a:latin typeface="+mn-lt"/>
+              </a:defRPr>
+            </a:lvl6pPr>
+            <a:lvl7pPr marL="2971800" indent="-228600" algn="l" rtl="0" eaLnBrk="1" fontAlgn="base" hangingPunct="1">
+              <a:spcBef>
+                <a:spcPct val="20000"/>
+              </a:spcBef>
+              <a:spcAft>
+                <a:spcPct val="0"/>
+              </a:spcAft>
+              <a:buChar char="»"/>
+              <a:defRPr sz="1600">
+                <a:solidFill>
+                  <a:srgbClr val="4D4D4D"/>
+                </a:solidFill>
+                <a:latin typeface="+mn-lt"/>
+              </a:defRPr>
+            </a:lvl7pPr>
+            <a:lvl8pPr marL="3429000" indent="-228600" algn="l" rtl="0" eaLnBrk="1" fontAlgn="base" hangingPunct="1">
+              <a:spcBef>
+                <a:spcPct val="20000"/>
+              </a:spcBef>
+              <a:spcAft>
+                <a:spcPct val="0"/>
+              </a:spcAft>
+              <a:buChar char="»"/>
+              <a:defRPr sz="1600">
+                <a:solidFill>
+                  <a:srgbClr val="4D4D4D"/>
+                </a:solidFill>
+                <a:latin typeface="+mn-lt"/>
+              </a:defRPr>
+            </a:lvl8pPr>
+            <a:lvl9pPr marL="3886200" indent="-228600" algn="l" rtl="0" eaLnBrk="1" fontAlgn="base" hangingPunct="1">
+              <a:spcBef>
+                <a:spcPct val="20000"/>
+              </a:spcBef>
+              <a:spcAft>
+                <a:spcPct val="0"/>
+              </a:spcAft>
+              <a:buChar char="»"/>
+              <a:defRPr sz="1600">
+                <a:solidFill>
+                  <a:srgbClr val="4D4D4D"/>
+                </a:solidFill>
+                <a:latin typeface="+mn-lt"/>
+              </a:defRPr>
+            </a:lvl9pPr>
+          </a:lstStyle>
+          <a:p>
+            <a:pPr marL="0" indent="0" algn="ctr">
+              <a:buFontTx/>
+              <a:buNone/>
+            </a:pPr>
+            <a:r>
+              <a:rPr lang="en-GB" sz="1400" kern="0" dirty="0"/>
+              <a:t>Accuracy</a:t>
+            </a:r>
+          </a:p>
+        </p:txBody>
+      </p:sp>
+      <p:sp>
+        <p:nvSpPr>
+          <p:cNvPr id="8" name="Textplatzhalter 8">
+            <a:extLst>
+              <a:ext uri="{FF2B5EF4-FFF2-40B4-BE49-F238E27FC236}">
+                <a16:creationId xmlns:a16="http://schemas.microsoft.com/office/drawing/2014/main" id="{A834E30B-99BB-1F35-1593-D0835B954E50}"/>
+              </a:ext>
+            </a:extLst>
+          </p:cNvPr>
+          <p:cNvSpPr txBox="1">
+            <a:spLocks/>
+          </p:cNvSpPr>
+          <p:nvPr/>
+        </p:nvSpPr>
+        <p:spPr>
+          <a:xfrm>
+            <a:off x="1539173" y="5048544"/>
+            <a:ext cx="1072111" cy="539559"/>
+          </a:xfrm>
+          <a:prstGeom prst="rect">
+            <a:avLst/>
+          </a:prstGeom>
+        </p:spPr>
+        <p:txBody>
+          <a:bodyPr lIns="216000" anchor="ctr" anchorCtr="0">
+            <a:normAutofit/>
+          </a:bodyPr>
+          <a:lstStyle>
+            <a:lvl1pPr marL="342900" indent="-342900" algn="l" rtl="0" eaLnBrk="1" fontAlgn="base" hangingPunct="1">
+              <a:spcBef>
+                <a:spcPts val="600"/>
+              </a:spcBef>
+              <a:spcAft>
+                <a:spcPts val="600"/>
+              </a:spcAft>
+              <a:buChar char="•"/>
+              <a:defRPr sz="2000">
+                <a:solidFill>
+                  <a:schemeClr val="bg1"/>
+                </a:solidFill>
+                <a:latin typeface="+mn-lt"/>
+                <a:ea typeface="+mn-ea"/>
+                <a:cs typeface="+mn-cs"/>
+              </a:defRPr>
+            </a:lvl1pPr>
+            <a:lvl2pPr marL="742950" indent="-285750" algn="l" rtl="0" eaLnBrk="1" fontAlgn="base" hangingPunct="1">
+              <a:spcBef>
+                <a:spcPct val="20000"/>
+              </a:spcBef>
+              <a:spcAft>
+                <a:spcPct val="0"/>
+              </a:spcAft>
+              <a:buChar char="–"/>
+              <a:defRPr sz="1800">
+                <a:solidFill>
+                  <a:srgbClr val="4D4D4D"/>
+                </a:solidFill>
+                <a:latin typeface="+mn-lt"/>
+              </a:defRPr>
+            </a:lvl2pPr>
+            <a:lvl3pPr marL="1143000" indent="-228600" algn="l" rtl="0" eaLnBrk="1" fontAlgn="base" hangingPunct="1">
+              <a:spcBef>
+                <a:spcPct val="20000"/>
+              </a:spcBef>
+              <a:spcAft>
+                <a:spcPct val="0"/>
+              </a:spcAft>
+              <a:buChar char="•"/>
+              <a:defRPr sz="1600">
+                <a:solidFill>
+                  <a:srgbClr val="4D4D4D"/>
+                </a:solidFill>
+                <a:latin typeface="+mn-lt"/>
+              </a:defRPr>
+            </a:lvl3pPr>
+            <a:lvl4pPr marL="1600200" indent="-228600" algn="l" rtl="0" eaLnBrk="1" fontAlgn="base" hangingPunct="1">
+              <a:spcBef>
+                <a:spcPct val="20000"/>
+              </a:spcBef>
+              <a:spcAft>
+                <a:spcPct val="0"/>
+              </a:spcAft>
+              <a:buChar char="–"/>
+              <a:defRPr sz="1400">
+                <a:solidFill>
+                  <a:srgbClr val="4D4D4D"/>
+                </a:solidFill>
+                <a:latin typeface="+mn-lt"/>
+              </a:defRPr>
+            </a:lvl4pPr>
+            <a:lvl5pPr marL="2057400" indent="-228600" algn="l" rtl="0" eaLnBrk="1" fontAlgn="base" hangingPunct="1">
+              <a:spcBef>
+                <a:spcPct val="20000"/>
+              </a:spcBef>
+              <a:spcAft>
+                <a:spcPct val="0"/>
+              </a:spcAft>
+              <a:buChar char="»"/>
+              <a:defRPr sz="1200">
+                <a:solidFill>
+                  <a:srgbClr val="4D4D4D"/>
+                </a:solidFill>
+                <a:latin typeface="+mn-lt"/>
+              </a:defRPr>
+            </a:lvl5pPr>
+            <a:lvl6pPr marL="2514600" indent="-228600" algn="l" rtl="0" eaLnBrk="1" fontAlgn="base" hangingPunct="1">
+              <a:spcBef>
+                <a:spcPct val="20000"/>
+              </a:spcBef>
+              <a:spcAft>
+                <a:spcPct val="0"/>
+              </a:spcAft>
+              <a:buChar char="»"/>
+              <a:defRPr sz="1600">
+                <a:solidFill>
+                  <a:srgbClr val="4D4D4D"/>
+                </a:solidFill>
+                <a:latin typeface="+mn-lt"/>
+              </a:defRPr>
+            </a:lvl6pPr>
+            <a:lvl7pPr marL="2971800" indent="-228600" algn="l" rtl="0" eaLnBrk="1" fontAlgn="base" hangingPunct="1">
+              <a:spcBef>
+                <a:spcPct val="20000"/>
+              </a:spcBef>
+              <a:spcAft>
+                <a:spcPct val="0"/>
+              </a:spcAft>
+              <a:buChar char="»"/>
+              <a:defRPr sz="1600">
+                <a:solidFill>
+                  <a:srgbClr val="4D4D4D"/>
+                </a:solidFill>
+                <a:latin typeface="+mn-lt"/>
+              </a:defRPr>
+            </a:lvl7pPr>
+            <a:lvl8pPr marL="3429000" indent="-228600" algn="l" rtl="0" eaLnBrk="1" fontAlgn="base" hangingPunct="1">
+              <a:spcBef>
+                <a:spcPct val="20000"/>
+              </a:spcBef>
+              <a:spcAft>
+                <a:spcPct val="0"/>
+              </a:spcAft>
+              <a:buChar char="»"/>
+              <a:defRPr sz="1600">
+                <a:solidFill>
+                  <a:srgbClr val="4D4D4D"/>
+                </a:solidFill>
+                <a:latin typeface="+mn-lt"/>
+              </a:defRPr>
+            </a:lvl8pPr>
+            <a:lvl9pPr marL="3886200" indent="-228600" algn="l" rtl="0" eaLnBrk="1" fontAlgn="base" hangingPunct="1">
+              <a:spcBef>
+                <a:spcPct val="20000"/>
+              </a:spcBef>
+              <a:spcAft>
+                <a:spcPct val="0"/>
+              </a:spcAft>
+              <a:buChar char="»"/>
+              <a:defRPr sz="1600">
+                <a:solidFill>
+                  <a:srgbClr val="4D4D4D"/>
+                </a:solidFill>
+                <a:latin typeface="+mn-lt"/>
+              </a:defRPr>
+            </a:lvl9pPr>
+          </a:lstStyle>
+          <a:p>
+            <a:pPr marL="0" indent="0" algn="ctr">
+              <a:buFontTx/>
+              <a:buNone/>
+            </a:pPr>
+            <a:r>
+              <a:rPr lang="en-GB" sz="1400" kern="0" dirty="0"/>
+              <a:t>Precision</a:t>
+            </a:r>
+          </a:p>
+        </p:txBody>
+      </p:sp>
+      <p:sp>
+        <p:nvSpPr>
+          <p:cNvPr id="9" name="Textplatzhalter 8">
+            <a:extLst>
+              <a:ext uri="{FF2B5EF4-FFF2-40B4-BE49-F238E27FC236}">
+                <a16:creationId xmlns:a16="http://schemas.microsoft.com/office/drawing/2014/main" id="{385AC67F-26B7-7864-3820-3ECE17CCCD69}"/>
+              </a:ext>
+            </a:extLst>
+          </p:cNvPr>
+          <p:cNvSpPr txBox="1">
+            <a:spLocks/>
+          </p:cNvSpPr>
+          <p:nvPr/>
+        </p:nvSpPr>
+        <p:spPr>
+          <a:xfrm>
+            <a:off x="2451270" y="5046117"/>
+            <a:ext cx="986437" cy="539559"/>
+          </a:xfrm>
+          <a:prstGeom prst="rect">
+            <a:avLst/>
+          </a:prstGeom>
+        </p:spPr>
+        <p:txBody>
+          <a:bodyPr lIns="216000" anchor="ctr" anchorCtr="0">
+            <a:normAutofit/>
+          </a:bodyPr>
+          <a:lstStyle>
+            <a:lvl1pPr marL="342900" indent="-342900" algn="l" rtl="0" eaLnBrk="1" fontAlgn="base" hangingPunct="1">
+              <a:spcBef>
+                <a:spcPts val="600"/>
+              </a:spcBef>
+              <a:spcAft>
+                <a:spcPts val="600"/>
+              </a:spcAft>
+              <a:buChar char="•"/>
+              <a:defRPr sz="2000">
+                <a:solidFill>
+                  <a:schemeClr val="bg1"/>
+                </a:solidFill>
+                <a:latin typeface="+mn-lt"/>
+                <a:ea typeface="+mn-ea"/>
+                <a:cs typeface="+mn-cs"/>
+              </a:defRPr>
+            </a:lvl1pPr>
+            <a:lvl2pPr marL="742950" indent="-285750" algn="l" rtl="0" eaLnBrk="1" fontAlgn="base" hangingPunct="1">
+              <a:spcBef>
+                <a:spcPct val="20000"/>
+              </a:spcBef>
+              <a:spcAft>
+                <a:spcPct val="0"/>
+              </a:spcAft>
+              <a:buChar char="–"/>
+              <a:defRPr sz="1800">
+                <a:solidFill>
+                  <a:srgbClr val="4D4D4D"/>
+                </a:solidFill>
+                <a:latin typeface="+mn-lt"/>
+              </a:defRPr>
+            </a:lvl2pPr>
+            <a:lvl3pPr marL="1143000" indent="-228600" algn="l" rtl="0" eaLnBrk="1" fontAlgn="base" hangingPunct="1">
+              <a:spcBef>
+                <a:spcPct val="20000"/>
+              </a:spcBef>
+              <a:spcAft>
+                <a:spcPct val="0"/>
+              </a:spcAft>
+              <a:buChar char="•"/>
+              <a:defRPr sz="1600">
+                <a:solidFill>
+                  <a:srgbClr val="4D4D4D"/>
+                </a:solidFill>
+                <a:latin typeface="+mn-lt"/>
+              </a:defRPr>
+            </a:lvl3pPr>
+            <a:lvl4pPr marL="1600200" indent="-228600" algn="l" rtl="0" eaLnBrk="1" fontAlgn="base" hangingPunct="1">
+              <a:spcBef>
+                <a:spcPct val="20000"/>
+              </a:spcBef>
+              <a:spcAft>
+                <a:spcPct val="0"/>
+              </a:spcAft>
+              <a:buChar char="–"/>
+              <a:defRPr sz="1400">
+                <a:solidFill>
+                  <a:srgbClr val="4D4D4D"/>
+                </a:solidFill>
+                <a:latin typeface="+mn-lt"/>
+              </a:defRPr>
+            </a:lvl4pPr>
+            <a:lvl5pPr marL="2057400" indent="-228600" algn="l" rtl="0" eaLnBrk="1" fontAlgn="base" hangingPunct="1">
+              <a:spcBef>
+                <a:spcPct val="20000"/>
+              </a:spcBef>
+              <a:spcAft>
+                <a:spcPct val="0"/>
+              </a:spcAft>
+              <a:buChar char="»"/>
+              <a:defRPr sz="1200">
+                <a:solidFill>
+                  <a:srgbClr val="4D4D4D"/>
+                </a:solidFill>
+                <a:latin typeface="+mn-lt"/>
+              </a:defRPr>
+            </a:lvl5pPr>
+            <a:lvl6pPr marL="2514600" indent="-228600" algn="l" rtl="0" eaLnBrk="1" fontAlgn="base" hangingPunct="1">
+              <a:spcBef>
+                <a:spcPct val="20000"/>
+              </a:spcBef>
+              <a:spcAft>
+                <a:spcPct val="0"/>
+              </a:spcAft>
+              <a:buChar char="»"/>
+              <a:defRPr sz="1600">
+                <a:solidFill>
+                  <a:srgbClr val="4D4D4D"/>
+                </a:solidFill>
+                <a:latin typeface="+mn-lt"/>
+              </a:defRPr>
+            </a:lvl6pPr>
+            <a:lvl7pPr marL="2971800" indent="-228600" algn="l" rtl="0" eaLnBrk="1" fontAlgn="base" hangingPunct="1">
+              <a:spcBef>
+                <a:spcPct val="20000"/>
+              </a:spcBef>
+              <a:spcAft>
+                <a:spcPct val="0"/>
+              </a:spcAft>
+              <a:buChar char="»"/>
+              <a:defRPr sz="1600">
+                <a:solidFill>
+                  <a:srgbClr val="4D4D4D"/>
+                </a:solidFill>
+                <a:latin typeface="+mn-lt"/>
+              </a:defRPr>
+            </a:lvl7pPr>
+            <a:lvl8pPr marL="3429000" indent="-228600" algn="l" rtl="0" eaLnBrk="1" fontAlgn="base" hangingPunct="1">
+              <a:spcBef>
+                <a:spcPct val="20000"/>
+              </a:spcBef>
+              <a:spcAft>
+                <a:spcPct val="0"/>
+              </a:spcAft>
+              <a:buChar char="»"/>
+              <a:defRPr sz="1600">
+                <a:solidFill>
+                  <a:srgbClr val="4D4D4D"/>
+                </a:solidFill>
+                <a:latin typeface="+mn-lt"/>
+              </a:defRPr>
+            </a:lvl8pPr>
+            <a:lvl9pPr marL="3886200" indent="-228600" algn="l" rtl="0" eaLnBrk="1" fontAlgn="base" hangingPunct="1">
+              <a:spcBef>
+                <a:spcPct val="20000"/>
+              </a:spcBef>
+              <a:spcAft>
+                <a:spcPct val="0"/>
+              </a:spcAft>
+              <a:buChar char="»"/>
+              <a:defRPr sz="1600">
+                <a:solidFill>
+                  <a:srgbClr val="4D4D4D"/>
+                </a:solidFill>
+                <a:latin typeface="+mn-lt"/>
+              </a:defRPr>
+            </a:lvl9pPr>
+          </a:lstStyle>
+          <a:p>
+            <a:pPr marL="0" indent="0" algn="ctr">
+              <a:buFontTx/>
+              <a:buNone/>
+            </a:pPr>
+            <a:r>
+              <a:rPr lang="en-GB" sz="1400" kern="0" dirty="0"/>
+              <a:t>Recall</a:t>
+            </a:r>
+          </a:p>
+        </p:txBody>
+      </p:sp>
+      <p:sp>
+        <p:nvSpPr>
+          <p:cNvPr id="11" name="Textplatzhalter 8">
+            <a:extLst>
+              <a:ext uri="{FF2B5EF4-FFF2-40B4-BE49-F238E27FC236}">
+                <a16:creationId xmlns:a16="http://schemas.microsoft.com/office/drawing/2014/main" id="{BD8E8CBE-3443-7800-C1DC-EAD3771744EB}"/>
+              </a:ext>
+            </a:extLst>
+          </p:cNvPr>
+          <p:cNvSpPr txBox="1">
+            <a:spLocks/>
+          </p:cNvSpPr>
+          <p:nvPr/>
+        </p:nvSpPr>
+        <p:spPr>
+          <a:xfrm>
+            <a:off x="3282003" y="5043690"/>
+            <a:ext cx="1056324" cy="539559"/>
+          </a:xfrm>
+          <a:prstGeom prst="rect">
+            <a:avLst/>
+          </a:prstGeom>
+        </p:spPr>
+        <p:txBody>
+          <a:bodyPr lIns="216000" anchor="ctr" anchorCtr="0">
+            <a:normAutofit/>
+          </a:bodyPr>
+          <a:lstStyle>
+            <a:lvl1pPr marL="342900" indent="-342900" algn="l" rtl="0" eaLnBrk="1" fontAlgn="base" hangingPunct="1">
+              <a:spcBef>
+                <a:spcPts val="600"/>
+              </a:spcBef>
+              <a:spcAft>
+                <a:spcPts val="600"/>
+              </a:spcAft>
+              <a:buChar char="•"/>
+              <a:defRPr sz="2000">
+                <a:solidFill>
+                  <a:schemeClr val="bg1"/>
+                </a:solidFill>
+                <a:latin typeface="+mn-lt"/>
+                <a:ea typeface="+mn-ea"/>
+                <a:cs typeface="+mn-cs"/>
+              </a:defRPr>
+            </a:lvl1pPr>
+            <a:lvl2pPr marL="742950" indent="-285750" algn="l" rtl="0" eaLnBrk="1" fontAlgn="base" hangingPunct="1">
+              <a:spcBef>
+                <a:spcPct val="20000"/>
+              </a:spcBef>
+              <a:spcAft>
+                <a:spcPct val="0"/>
+              </a:spcAft>
+              <a:buChar char="–"/>
+              <a:defRPr sz="1800">
+                <a:solidFill>
+                  <a:srgbClr val="4D4D4D"/>
+                </a:solidFill>
+                <a:latin typeface="+mn-lt"/>
+              </a:defRPr>
+            </a:lvl2pPr>
+            <a:lvl3pPr marL="1143000" indent="-228600" algn="l" rtl="0" eaLnBrk="1" fontAlgn="base" hangingPunct="1">
+              <a:spcBef>
+                <a:spcPct val="20000"/>
+              </a:spcBef>
+              <a:spcAft>
+                <a:spcPct val="0"/>
+              </a:spcAft>
+              <a:buChar char="•"/>
+              <a:defRPr sz="1600">
+                <a:solidFill>
+                  <a:srgbClr val="4D4D4D"/>
+                </a:solidFill>
+                <a:latin typeface="+mn-lt"/>
+              </a:defRPr>
+            </a:lvl3pPr>
+            <a:lvl4pPr marL="1600200" indent="-228600" algn="l" rtl="0" eaLnBrk="1" fontAlgn="base" hangingPunct="1">
+              <a:spcBef>
+                <a:spcPct val="20000"/>
+              </a:spcBef>
+              <a:spcAft>
+                <a:spcPct val="0"/>
+              </a:spcAft>
+              <a:buChar char="–"/>
+              <a:defRPr sz="1400">
+                <a:solidFill>
+                  <a:srgbClr val="4D4D4D"/>
+                </a:solidFill>
+                <a:latin typeface="+mn-lt"/>
+              </a:defRPr>
+            </a:lvl4pPr>
+            <a:lvl5pPr marL="2057400" indent="-228600" algn="l" rtl="0" eaLnBrk="1" fontAlgn="base" hangingPunct="1">
+              <a:spcBef>
+                <a:spcPct val="20000"/>
+              </a:spcBef>
+              <a:spcAft>
+                <a:spcPct val="0"/>
+              </a:spcAft>
+              <a:buChar char="»"/>
+              <a:defRPr sz="1200">
+                <a:solidFill>
+                  <a:srgbClr val="4D4D4D"/>
+                </a:solidFill>
+                <a:latin typeface="+mn-lt"/>
+              </a:defRPr>
+            </a:lvl5pPr>
+            <a:lvl6pPr marL="2514600" indent="-228600" algn="l" rtl="0" eaLnBrk="1" fontAlgn="base" hangingPunct="1">
+              <a:spcBef>
+                <a:spcPct val="20000"/>
+              </a:spcBef>
+              <a:spcAft>
+                <a:spcPct val="0"/>
+              </a:spcAft>
+              <a:buChar char="»"/>
+              <a:defRPr sz="1600">
+                <a:solidFill>
+                  <a:srgbClr val="4D4D4D"/>
+                </a:solidFill>
+                <a:latin typeface="+mn-lt"/>
+              </a:defRPr>
+            </a:lvl6pPr>
+            <a:lvl7pPr marL="2971800" indent="-228600" algn="l" rtl="0" eaLnBrk="1" fontAlgn="base" hangingPunct="1">
+              <a:spcBef>
+                <a:spcPct val="20000"/>
+              </a:spcBef>
+              <a:spcAft>
+                <a:spcPct val="0"/>
+              </a:spcAft>
+              <a:buChar char="»"/>
+              <a:defRPr sz="1600">
+                <a:solidFill>
+                  <a:srgbClr val="4D4D4D"/>
+                </a:solidFill>
+                <a:latin typeface="+mn-lt"/>
+              </a:defRPr>
+            </a:lvl7pPr>
+            <a:lvl8pPr marL="3429000" indent="-228600" algn="l" rtl="0" eaLnBrk="1" fontAlgn="base" hangingPunct="1">
+              <a:spcBef>
+                <a:spcPct val="20000"/>
+              </a:spcBef>
+              <a:spcAft>
+                <a:spcPct val="0"/>
+              </a:spcAft>
+              <a:buChar char="»"/>
+              <a:defRPr sz="1600">
+                <a:solidFill>
+                  <a:srgbClr val="4D4D4D"/>
+                </a:solidFill>
+                <a:latin typeface="+mn-lt"/>
+              </a:defRPr>
+            </a:lvl8pPr>
+            <a:lvl9pPr marL="3886200" indent="-228600" algn="l" rtl="0" eaLnBrk="1" fontAlgn="base" hangingPunct="1">
+              <a:spcBef>
+                <a:spcPct val="20000"/>
+              </a:spcBef>
+              <a:spcAft>
+                <a:spcPct val="0"/>
+              </a:spcAft>
+              <a:buChar char="»"/>
+              <a:defRPr sz="1600">
+                <a:solidFill>
+                  <a:srgbClr val="4D4D4D"/>
+                </a:solidFill>
+                <a:latin typeface="+mn-lt"/>
+              </a:defRPr>
+            </a:lvl9pPr>
+          </a:lstStyle>
+          <a:p>
+            <a:pPr marL="0" indent="0" algn="ctr">
+              <a:buFontTx/>
+              <a:buNone/>
+            </a:pPr>
+            <a:r>
+              <a:rPr lang="en-GB" sz="1400" kern="0" dirty="0"/>
+              <a:t>F1-Score</a:t>
+            </a:r>
+          </a:p>
+        </p:txBody>
+      </p:sp>
+      <p:sp>
+        <p:nvSpPr>
+          <p:cNvPr id="18" name="Rectangle 17">
+            <a:extLst>
+              <a:ext uri="{FF2B5EF4-FFF2-40B4-BE49-F238E27FC236}">
+                <a16:creationId xmlns:a16="http://schemas.microsoft.com/office/drawing/2014/main" id="{6D36AFF8-D884-0C4E-E6F4-87F31D0615FA}"/>
+              </a:ext>
+            </a:extLst>
+          </p:cNvPr>
+          <p:cNvSpPr/>
+          <p:nvPr/>
+        </p:nvSpPr>
+        <p:spPr bwMode="auto">
+          <a:xfrm>
+            <a:off x="5004048" y="5157192"/>
+            <a:ext cx="3518180" cy="161132"/>
+          </a:xfrm>
+          <a:prstGeom prst="rect">
+            <a:avLst/>
+          </a:prstGeom>
+          <a:solidFill>
+            <a:schemeClr val="tx1"/>
+          </a:solidFill>
+          <a:ln w="19050" cap="flat" cmpd="sng" algn="ctr">
+            <a:solidFill>
+              <a:schemeClr val="tx1"/>
+            </a:solidFill>
+            <a:prstDash val="solid"/>
+            <a:round/>
+            <a:headEnd type="none" w="med" len="med"/>
+            <a:tailEnd type="none" w="med" len="med"/>
+          </a:ln>
+          <a:effectLst/>
+        </p:spPr>
+        <p:txBody>
+          <a:bodyPr vert="horz" wrap="square" lIns="90000" tIns="46800" rIns="90000" bIns="46800" numCol="1" rtlCol="0" anchor="ctr" anchorCtr="0" compatLnSpc="1">
+            <a:prstTxWarp prst="textNoShape">
+              <a:avLst/>
+            </a:prstTxWarp>
+          </a:bodyPr>
+          <a:lstStyle/>
+          <a:p>
+            <a:pPr marL="0" marR="0" indent="0" algn="ctr" defTabSz="914400" rtl="0" eaLnBrk="0" fontAlgn="base" latinLnBrk="0" hangingPunct="0">
+              <a:lnSpc>
+                <a:spcPct val="100000"/>
+              </a:lnSpc>
+              <a:spcBef>
+                <a:spcPct val="20000"/>
+              </a:spcBef>
+              <a:spcAft>
+                <a:spcPct val="0"/>
+              </a:spcAft>
+              <a:buClrTx/>
+              <a:buSzTx/>
+              <a:buFontTx/>
+              <a:buNone/>
+              <a:tabLst/>
+            </a:pPr>
+            <a:endParaRPr kumimoji="0" lang="en-US" sz="1800" b="0" i="0" u="none" strike="noStrike" cap="none" normalizeH="0" baseline="0">
+              <a:ln>
+                <a:noFill/>
+              </a:ln>
+              <a:solidFill>
+                <a:srgbClr val="000066"/>
+              </a:solidFill>
+              <a:effectLst/>
+              <a:latin typeface="Arial" charset="0"/>
+            </a:endParaRPr>
+          </a:p>
+        </p:txBody>
+      </p:sp>
+      <p:sp>
+        <p:nvSpPr>
+          <p:cNvPr id="19" name="Textplatzhalter 8">
+            <a:extLst>
+              <a:ext uri="{FF2B5EF4-FFF2-40B4-BE49-F238E27FC236}">
+                <a16:creationId xmlns:a16="http://schemas.microsoft.com/office/drawing/2014/main" id="{75A8B4D3-12AB-6A2B-6086-9CFAD34BDC0C}"/>
+              </a:ext>
+            </a:extLst>
+          </p:cNvPr>
+          <p:cNvSpPr txBox="1">
+            <a:spLocks/>
+          </p:cNvSpPr>
+          <p:nvPr/>
+        </p:nvSpPr>
+        <p:spPr>
+          <a:xfrm>
+            <a:off x="4984569" y="5031428"/>
+            <a:ext cx="756625" cy="539559"/>
+          </a:xfrm>
+          <a:prstGeom prst="rect">
+            <a:avLst/>
+          </a:prstGeom>
+        </p:spPr>
+        <p:txBody>
+          <a:bodyPr lIns="216000" anchor="ctr" anchorCtr="0">
+            <a:normAutofit/>
+          </a:bodyPr>
+          <a:lstStyle>
+            <a:lvl1pPr marL="342900" indent="-342900" algn="l" rtl="0" eaLnBrk="1" fontAlgn="base" hangingPunct="1">
+              <a:spcBef>
+                <a:spcPts val="600"/>
+              </a:spcBef>
+              <a:spcAft>
+                <a:spcPts val="600"/>
+              </a:spcAft>
+              <a:buChar char="•"/>
+              <a:defRPr sz="2000">
+                <a:solidFill>
+                  <a:schemeClr val="bg1"/>
+                </a:solidFill>
+                <a:latin typeface="+mn-lt"/>
+                <a:ea typeface="+mn-ea"/>
+                <a:cs typeface="+mn-cs"/>
+              </a:defRPr>
+            </a:lvl1pPr>
+            <a:lvl2pPr marL="742950" indent="-285750" algn="l" rtl="0" eaLnBrk="1" fontAlgn="base" hangingPunct="1">
+              <a:spcBef>
+                <a:spcPct val="20000"/>
+              </a:spcBef>
+              <a:spcAft>
+                <a:spcPct val="0"/>
+              </a:spcAft>
+              <a:buChar char="–"/>
+              <a:defRPr sz="1800">
+                <a:solidFill>
+                  <a:srgbClr val="4D4D4D"/>
+                </a:solidFill>
+                <a:latin typeface="+mn-lt"/>
+              </a:defRPr>
+            </a:lvl2pPr>
+            <a:lvl3pPr marL="1143000" indent="-228600" algn="l" rtl="0" eaLnBrk="1" fontAlgn="base" hangingPunct="1">
+              <a:spcBef>
+                <a:spcPct val="20000"/>
+              </a:spcBef>
+              <a:spcAft>
+                <a:spcPct val="0"/>
+              </a:spcAft>
+              <a:buChar char="•"/>
+              <a:defRPr sz="1600">
+                <a:solidFill>
+                  <a:srgbClr val="4D4D4D"/>
+                </a:solidFill>
+                <a:latin typeface="+mn-lt"/>
+              </a:defRPr>
+            </a:lvl3pPr>
+            <a:lvl4pPr marL="1600200" indent="-228600" algn="l" rtl="0" eaLnBrk="1" fontAlgn="base" hangingPunct="1">
+              <a:spcBef>
+                <a:spcPct val="20000"/>
+              </a:spcBef>
+              <a:spcAft>
+                <a:spcPct val="0"/>
+              </a:spcAft>
+              <a:buChar char="–"/>
+              <a:defRPr sz="1400">
+                <a:solidFill>
+                  <a:srgbClr val="4D4D4D"/>
+                </a:solidFill>
+                <a:latin typeface="+mn-lt"/>
+              </a:defRPr>
+            </a:lvl4pPr>
+            <a:lvl5pPr marL="2057400" indent="-228600" algn="l" rtl="0" eaLnBrk="1" fontAlgn="base" hangingPunct="1">
+              <a:spcBef>
+                <a:spcPct val="20000"/>
+              </a:spcBef>
+              <a:spcAft>
+                <a:spcPct val="0"/>
+              </a:spcAft>
+              <a:buChar char="»"/>
+              <a:defRPr sz="1200">
+                <a:solidFill>
+                  <a:srgbClr val="4D4D4D"/>
+                </a:solidFill>
+                <a:latin typeface="+mn-lt"/>
+              </a:defRPr>
+            </a:lvl5pPr>
+            <a:lvl6pPr marL="2514600" indent="-228600" algn="l" rtl="0" eaLnBrk="1" fontAlgn="base" hangingPunct="1">
+              <a:spcBef>
+                <a:spcPct val="20000"/>
+              </a:spcBef>
+              <a:spcAft>
+                <a:spcPct val="0"/>
+              </a:spcAft>
+              <a:buChar char="»"/>
+              <a:defRPr sz="1600">
+                <a:solidFill>
+                  <a:srgbClr val="4D4D4D"/>
+                </a:solidFill>
+                <a:latin typeface="+mn-lt"/>
+              </a:defRPr>
+            </a:lvl6pPr>
+            <a:lvl7pPr marL="2971800" indent="-228600" algn="l" rtl="0" eaLnBrk="1" fontAlgn="base" hangingPunct="1">
+              <a:spcBef>
+                <a:spcPct val="20000"/>
+              </a:spcBef>
+              <a:spcAft>
+                <a:spcPct val="0"/>
+              </a:spcAft>
+              <a:buChar char="»"/>
+              <a:defRPr sz="1600">
+                <a:solidFill>
+                  <a:srgbClr val="4D4D4D"/>
+                </a:solidFill>
+                <a:latin typeface="+mn-lt"/>
+              </a:defRPr>
+            </a:lvl7pPr>
+            <a:lvl8pPr marL="3429000" indent="-228600" algn="l" rtl="0" eaLnBrk="1" fontAlgn="base" hangingPunct="1">
+              <a:spcBef>
+                <a:spcPct val="20000"/>
+              </a:spcBef>
+              <a:spcAft>
+                <a:spcPct val="0"/>
+              </a:spcAft>
+              <a:buChar char="»"/>
+              <a:defRPr sz="1600">
+                <a:solidFill>
+                  <a:srgbClr val="4D4D4D"/>
+                </a:solidFill>
+                <a:latin typeface="+mn-lt"/>
+              </a:defRPr>
+            </a:lvl8pPr>
+            <a:lvl9pPr marL="3886200" indent="-228600" algn="l" rtl="0" eaLnBrk="1" fontAlgn="base" hangingPunct="1">
+              <a:spcBef>
+                <a:spcPct val="20000"/>
+              </a:spcBef>
+              <a:spcAft>
+                <a:spcPct val="0"/>
+              </a:spcAft>
+              <a:buChar char="»"/>
+              <a:defRPr sz="1600">
+                <a:solidFill>
+                  <a:srgbClr val="4D4D4D"/>
+                </a:solidFill>
+                <a:latin typeface="+mn-lt"/>
+              </a:defRPr>
+            </a:lvl9pPr>
+          </a:lstStyle>
+          <a:p>
+            <a:pPr marL="0" indent="0" algn="ctr">
+              <a:buFontTx/>
+              <a:buNone/>
+            </a:pPr>
+            <a:r>
+              <a:rPr lang="en-GB" kern="0" dirty="0"/>
+              <a:t>TP</a:t>
+            </a:r>
+          </a:p>
+        </p:txBody>
+      </p:sp>
+      <p:sp>
+        <p:nvSpPr>
+          <p:cNvPr id="20" name="Textplatzhalter 8">
+            <a:extLst>
+              <a:ext uri="{FF2B5EF4-FFF2-40B4-BE49-F238E27FC236}">
+                <a16:creationId xmlns:a16="http://schemas.microsoft.com/office/drawing/2014/main" id="{EF505DA2-579C-7502-EA1B-8D108AAC9BA0}"/>
+              </a:ext>
+            </a:extLst>
+          </p:cNvPr>
+          <p:cNvSpPr txBox="1">
+            <a:spLocks/>
+          </p:cNvSpPr>
+          <p:nvPr/>
+        </p:nvSpPr>
+        <p:spPr>
+          <a:xfrm>
+            <a:off x="5867852" y="5031428"/>
+            <a:ext cx="756625" cy="539559"/>
+          </a:xfrm>
+          <a:prstGeom prst="rect">
+            <a:avLst/>
+          </a:prstGeom>
+        </p:spPr>
+        <p:txBody>
+          <a:bodyPr lIns="216000" anchor="ctr" anchorCtr="0">
+            <a:normAutofit/>
+          </a:bodyPr>
+          <a:lstStyle>
+            <a:lvl1pPr marL="342900" indent="-342900" algn="l" rtl="0" eaLnBrk="1" fontAlgn="base" hangingPunct="1">
+              <a:spcBef>
+                <a:spcPts val="600"/>
+              </a:spcBef>
+              <a:spcAft>
+                <a:spcPts val="600"/>
+              </a:spcAft>
+              <a:buChar char="•"/>
+              <a:defRPr sz="2000">
+                <a:solidFill>
+                  <a:schemeClr val="bg1"/>
+                </a:solidFill>
+                <a:latin typeface="+mn-lt"/>
+                <a:ea typeface="+mn-ea"/>
+                <a:cs typeface="+mn-cs"/>
+              </a:defRPr>
+            </a:lvl1pPr>
+            <a:lvl2pPr marL="742950" indent="-285750" algn="l" rtl="0" eaLnBrk="1" fontAlgn="base" hangingPunct="1">
+              <a:spcBef>
+                <a:spcPct val="20000"/>
+              </a:spcBef>
+              <a:spcAft>
+                <a:spcPct val="0"/>
+              </a:spcAft>
+              <a:buChar char="–"/>
+              <a:defRPr sz="1800">
+                <a:solidFill>
+                  <a:srgbClr val="4D4D4D"/>
+                </a:solidFill>
+                <a:latin typeface="+mn-lt"/>
+              </a:defRPr>
+            </a:lvl2pPr>
+            <a:lvl3pPr marL="1143000" indent="-228600" algn="l" rtl="0" eaLnBrk="1" fontAlgn="base" hangingPunct="1">
+              <a:spcBef>
+                <a:spcPct val="20000"/>
+              </a:spcBef>
+              <a:spcAft>
+                <a:spcPct val="0"/>
+              </a:spcAft>
+              <a:buChar char="•"/>
+              <a:defRPr sz="1600">
+                <a:solidFill>
+                  <a:srgbClr val="4D4D4D"/>
+                </a:solidFill>
+                <a:latin typeface="+mn-lt"/>
+              </a:defRPr>
+            </a:lvl3pPr>
+            <a:lvl4pPr marL="1600200" indent="-228600" algn="l" rtl="0" eaLnBrk="1" fontAlgn="base" hangingPunct="1">
+              <a:spcBef>
+                <a:spcPct val="20000"/>
+              </a:spcBef>
+              <a:spcAft>
+                <a:spcPct val="0"/>
+              </a:spcAft>
+              <a:buChar char="–"/>
+              <a:defRPr sz="1400">
+                <a:solidFill>
+                  <a:srgbClr val="4D4D4D"/>
+                </a:solidFill>
+                <a:latin typeface="+mn-lt"/>
+              </a:defRPr>
+            </a:lvl4pPr>
+            <a:lvl5pPr marL="2057400" indent="-228600" algn="l" rtl="0" eaLnBrk="1" fontAlgn="base" hangingPunct="1">
+              <a:spcBef>
+                <a:spcPct val="20000"/>
+              </a:spcBef>
+              <a:spcAft>
+                <a:spcPct val="0"/>
+              </a:spcAft>
+              <a:buChar char="»"/>
+              <a:defRPr sz="1200">
+                <a:solidFill>
+                  <a:srgbClr val="4D4D4D"/>
+                </a:solidFill>
+                <a:latin typeface="+mn-lt"/>
+              </a:defRPr>
+            </a:lvl5pPr>
+            <a:lvl6pPr marL="2514600" indent="-228600" algn="l" rtl="0" eaLnBrk="1" fontAlgn="base" hangingPunct="1">
+              <a:spcBef>
+                <a:spcPct val="20000"/>
+              </a:spcBef>
+              <a:spcAft>
+                <a:spcPct val="0"/>
+              </a:spcAft>
+              <a:buChar char="»"/>
+              <a:defRPr sz="1600">
+                <a:solidFill>
+                  <a:srgbClr val="4D4D4D"/>
+                </a:solidFill>
+                <a:latin typeface="+mn-lt"/>
+              </a:defRPr>
+            </a:lvl6pPr>
+            <a:lvl7pPr marL="2971800" indent="-228600" algn="l" rtl="0" eaLnBrk="1" fontAlgn="base" hangingPunct="1">
+              <a:spcBef>
+                <a:spcPct val="20000"/>
+              </a:spcBef>
+              <a:spcAft>
+                <a:spcPct val="0"/>
+              </a:spcAft>
+              <a:buChar char="»"/>
+              <a:defRPr sz="1600">
+                <a:solidFill>
+                  <a:srgbClr val="4D4D4D"/>
+                </a:solidFill>
+                <a:latin typeface="+mn-lt"/>
+              </a:defRPr>
+            </a:lvl7pPr>
+            <a:lvl8pPr marL="3429000" indent="-228600" algn="l" rtl="0" eaLnBrk="1" fontAlgn="base" hangingPunct="1">
+              <a:spcBef>
+                <a:spcPct val="20000"/>
+              </a:spcBef>
+              <a:spcAft>
+                <a:spcPct val="0"/>
+              </a:spcAft>
+              <a:buChar char="»"/>
+              <a:defRPr sz="1600">
+                <a:solidFill>
+                  <a:srgbClr val="4D4D4D"/>
+                </a:solidFill>
+                <a:latin typeface="+mn-lt"/>
+              </a:defRPr>
+            </a:lvl8pPr>
+            <a:lvl9pPr marL="3886200" indent="-228600" algn="l" rtl="0" eaLnBrk="1" fontAlgn="base" hangingPunct="1">
+              <a:spcBef>
+                <a:spcPct val="20000"/>
+              </a:spcBef>
+              <a:spcAft>
+                <a:spcPct val="0"/>
+              </a:spcAft>
+              <a:buChar char="»"/>
+              <a:defRPr sz="1600">
+                <a:solidFill>
+                  <a:srgbClr val="4D4D4D"/>
+                </a:solidFill>
+                <a:latin typeface="+mn-lt"/>
+              </a:defRPr>
+            </a:lvl9pPr>
+          </a:lstStyle>
+          <a:p>
+            <a:pPr marL="0" indent="0" algn="ctr">
+              <a:buFontTx/>
+              <a:buNone/>
+            </a:pPr>
+            <a:r>
+              <a:rPr lang="en-GB" kern="0" dirty="0"/>
+              <a:t>FN</a:t>
+            </a:r>
+          </a:p>
+        </p:txBody>
+      </p:sp>
+      <p:sp>
+        <p:nvSpPr>
+          <p:cNvPr id="21" name="Textplatzhalter 8">
+            <a:extLst>
+              <a:ext uri="{FF2B5EF4-FFF2-40B4-BE49-F238E27FC236}">
+                <a16:creationId xmlns:a16="http://schemas.microsoft.com/office/drawing/2014/main" id="{A616EA40-AE99-E7F8-4795-C49E43821287}"/>
+              </a:ext>
+            </a:extLst>
+          </p:cNvPr>
+          <p:cNvSpPr txBox="1">
+            <a:spLocks/>
+          </p:cNvSpPr>
+          <p:nvPr/>
+        </p:nvSpPr>
+        <p:spPr>
+          <a:xfrm>
+            <a:off x="6754661" y="5031428"/>
+            <a:ext cx="756625" cy="539559"/>
+          </a:xfrm>
+          <a:prstGeom prst="rect">
+            <a:avLst/>
+          </a:prstGeom>
+        </p:spPr>
+        <p:txBody>
+          <a:bodyPr lIns="216000" anchor="ctr" anchorCtr="0">
+            <a:normAutofit/>
+          </a:bodyPr>
+          <a:lstStyle>
+            <a:lvl1pPr marL="342900" indent="-342900" algn="l" rtl="0" eaLnBrk="1" fontAlgn="base" hangingPunct="1">
+              <a:spcBef>
+                <a:spcPts val="600"/>
+              </a:spcBef>
+              <a:spcAft>
+                <a:spcPts val="600"/>
+              </a:spcAft>
+              <a:buChar char="•"/>
+              <a:defRPr sz="2000">
+                <a:solidFill>
+                  <a:schemeClr val="bg1"/>
+                </a:solidFill>
+                <a:latin typeface="+mn-lt"/>
+                <a:ea typeface="+mn-ea"/>
+                <a:cs typeface="+mn-cs"/>
+              </a:defRPr>
+            </a:lvl1pPr>
+            <a:lvl2pPr marL="742950" indent="-285750" algn="l" rtl="0" eaLnBrk="1" fontAlgn="base" hangingPunct="1">
+              <a:spcBef>
+                <a:spcPct val="20000"/>
+              </a:spcBef>
+              <a:spcAft>
+                <a:spcPct val="0"/>
+              </a:spcAft>
+              <a:buChar char="–"/>
+              <a:defRPr sz="1800">
+                <a:solidFill>
+                  <a:srgbClr val="4D4D4D"/>
+                </a:solidFill>
+                <a:latin typeface="+mn-lt"/>
+              </a:defRPr>
+            </a:lvl2pPr>
+            <a:lvl3pPr marL="1143000" indent="-228600" algn="l" rtl="0" eaLnBrk="1" fontAlgn="base" hangingPunct="1">
+              <a:spcBef>
+                <a:spcPct val="20000"/>
+              </a:spcBef>
+              <a:spcAft>
+                <a:spcPct val="0"/>
+              </a:spcAft>
+              <a:buChar char="•"/>
+              <a:defRPr sz="1600">
+                <a:solidFill>
+                  <a:srgbClr val="4D4D4D"/>
+                </a:solidFill>
+                <a:latin typeface="+mn-lt"/>
+              </a:defRPr>
+            </a:lvl3pPr>
+            <a:lvl4pPr marL="1600200" indent="-228600" algn="l" rtl="0" eaLnBrk="1" fontAlgn="base" hangingPunct="1">
+              <a:spcBef>
+                <a:spcPct val="20000"/>
+              </a:spcBef>
+              <a:spcAft>
+                <a:spcPct val="0"/>
+              </a:spcAft>
+              <a:buChar char="–"/>
+              <a:defRPr sz="1400">
+                <a:solidFill>
+                  <a:srgbClr val="4D4D4D"/>
+                </a:solidFill>
+                <a:latin typeface="+mn-lt"/>
+              </a:defRPr>
+            </a:lvl4pPr>
+            <a:lvl5pPr marL="2057400" indent="-228600" algn="l" rtl="0" eaLnBrk="1" fontAlgn="base" hangingPunct="1">
+              <a:spcBef>
+                <a:spcPct val="20000"/>
+              </a:spcBef>
+              <a:spcAft>
+                <a:spcPct val="0"/>
+              </a:spcAft>
+              <a:buChar char="»"/>
+              <a:defRPr sz="1200">
+                <a:solidFill>
+                  <a:srgbClr val="4D4D4D"/>
+                </a:solidFill>
+                <a:latin typeface="+mn-lt"/>
+              </a:defRPr>
+            </a:lvl5pPr>
+            <a:lvl6pPr marL="2514600" indent="-228600" algn="l" rtl="0" eaLnBrk="1" fontAlgn="base" hangingPunct="1">
+              <a:spcBef>
+                <a:spcPct val="20000"/>
+              </a:spcBef>
+              <a:spcAft>
+                <a:spcPct val="0"/>
+              </a:spcAft>
+              <a:buChar char="»"/>
+              <a:defRPr sz="1600">
+                <a:solidFill>
+                  <a:srgbClr val="4D4D4D"/>
+                </a:solidFill>
+                <a:latin typeface="+mn-lt"/>
+              </a:defRPr>
+            </a:lvl6pPr>
+            <a:lvl7pPr marL="2971800" indent="-228600" algn="l" rtl="0" eaLnBrk="1" fontAlgn="base" hangingPunct="1">
+              <a:spcBef>
+                <a:spcPct val="20000"/>
+              </a:spcBef>
+              <a:spcAft>
+                <a:spcPct val="0"/>
+              </a:spcAft>
+              <a:buChar char="»"/>
+              <a:defRPr sz="1600">
+                <a:solidFill>
+                  <a:srgbClr val="4D4D4D"/>
+                </a:solidFill>
+                <a:latin typeface="+mn-lt"/>
+              </a:defRPr>
+            </a:lvl7pPr>
+            <a:lvl8pPr marL="3429000" indent="-228600" algn="l" rtl="0" eaLnBrk="1" fontAlgn="base" hangingPunct="1">
+              <a:spcBef>
+                <a:spcPct val="20000"/>
+              </a:spcBef>
+              <a:spcAft>
+                <a:spcPct val="0"/>
+              </a:spcAft>
+              <a:buChar char="»"/>
+              <a:defRPr sz="1600">
+                <a:solidFill>
+                  <a:srgbClr val="4D4D4D"/>
+                </a:solidFill>
+                <a:latin typeface="+mn-lt"/>
+              </a:defRPr>
+            </a:lvl8pPr>
+            <a:lvl9pPr marL="3886200" indent="-228600" algn="l" rtl="0" eaLnBrk="1" fontAlgn="base" hangingPunct="1">
+              <a:spcBef>
+                <a:spcPct val="20000"/>
+              </a:spcBef>
+              <a:spcAft>
+                <a:spcPct val="0"/>
+              </a:spcAft>
+              <a:buChar char="»"/>
+              <a:defRPr sz="1600">
+                <a:solidFill>
+                  <a:srgbClr val="4D4D4D"/>
+                </a:solidFill>
+                <a:latin typeface="+mn-lt"/>
+              </a:defRPr>
+            </a:lvl9pPr>
+          </a:lstStyle>
+          <a:p>
+            <a:pPr marL="0" indent="0" algn="ctr">
+              <a:buFontTx/>
+              <a:buNone/>
+            </a:pPr>
+            <a:r>
+              <a:rPr lang="en-GB" kern="0" dirty="0"/>
+              <a:t>FP</a:t>
+            </a:r>
+          </a:p>
+        </p:txBody>
+      </p:sp>
+      <p:sp>
+        <p:nvSpPr>
+          <p:cNvPr id="22" name="Textplatzhalter 8">
+            <a:extLst>
+              <a:ext uri="{FF2B5EF4-FFF2-40B4-BE49-F238E27FC236}">
+                <a16:creationId xmlns:a16="http://schemas.microsoft.com/office/drawing/2014/main" id="{6A3367D0-F780-7F42-CDFB-646587A3A2E7}"/>
+              </a:ext>
+            </a:extLst>
+          </p:cNvPr>
+          <p:cNvSpPr txBox="1">
+            <a:spLocks/>
+          </p:cNvSpPr>
+          <p:nvPr/>
+        </p:nvSpPr>
+        <p:spPr>
+          <a:xfrm>
+            <a:off x="7622040" y="5031428"/>
+            <a:ext cx="756625" cy="539559"/>
+          </a:xfrm>
+          <a:prstGeom prst="rect">
+            <a:avLst/>
+          </a:prstGeom>
+        </p:spPr>
+        <p:txBody>
+          <a:bodyPr lIns="216000" anchor="ctr" anchorCtr="0">
+            <a:normAutofit/>
+          </a:bodyPr>
+          <a:lstStyle>
+            <a:lvl1pPr marL="342900" indent="-342900" algn="l" rtl="0" eaLnBrk="1" fontAlgn="base" hangingPunct="1">
+              <a:spcBef>
+                <a:spcPts val="600"/>
+              </a:spcBef>
+              <a:spcAft>
+                <a:spcPts val="600"/>
+              </a:spcAft>
+              <a:buChar char="•"/>
+              <a:defRPr sz="2000">
+                <a:solidFill>
+                  <a:schemeClr val="bg1"/>
+                </a:solidFill>
+                <a:latin typeface="+mn-lt"/>
+                <a:ea typeface="+mn-ea"/>
+                <a:cs typeface="+mn-cs"/>
+              </a:defRPr>
+            </a:lvl1pPr>
+            <a:lvl2pPr marL="742950" indent="-285750" algn="l" rtl="0" eaLnBrk="1" fontAlgn="base" hangingPunct="1">
+              <a:spcBef>
+                <a:spcPct val="20000"/>
+              </a:spcBef>
+              <a:spcAft>
+                <a:spcPct val="0"/>
+              </a:spcAft>
+              <a:buChar char="–"/>
+              <a:defRPr sz="1800">
+                <a:solidFill>
+                  <a:srgbClr val="4D4D4D"/>
+                </a:solidFill>
+                <a:latin typeface="+mn-lt"/>
+              </a:defRPr>
+            </a:lvl2pPr>
+            <a:lvl3pPr marL="1143000" indent="-228600" algn="l" rtl="0" eaLnBrk="1" fontAlgn="base" hangingPunct="1">
+              <a:spcBef>
+                <a:spcPct val="20000"/>
+              </a:spcBef>
+              <a:spcAft>
+                <a:spcPct val="0"/>
+              </a:spcAft>
+              <a:buChar char="•"/>
+              <a:defRPr sz="1600">
+                <a:solidFill>
+                  <a:srgbClr val="4D4D4D"/>
+                </a:solidFill>
+                <a:latin typeface="+mn-lt"/>
+              </a:defRPr>
+            </a:lvl3pPr>
+            <a:lvl4pPr marL="1600200" indent="-228600" algn="l" rtl="0" eaLnBrk="1" fontAlgn="base" hangingPunct="1">
+              <a:spcBef>
+                <a:spcPct val="20000"/>
+              </a:spcBef>
+              <a:spcAft>
+                <a:spcPct val="0"/>
+              </a:spcAft>
+              <a:buChar char="–"/>
+              <a:defRPr sz="1400">
+                <a:solidFill>
+                  <a:srgbClr val="4D4D4D"/>
+                </a:solidFill>
+                <a:latin typeface="+mn-lt"/>
+              </a:defRPr>
+            </a:lvl4pPr>
+            <a:lvl5pPr marL="2057400" indent="-228600" algn="l" rtl="0" eaLnBrk="1" fontAlgn="base" hangingPunct="1">
+              <a:spcBef>
+                <a:spcPct val="20000"/>
+              </a:spcBef>
+              <a:spcAft>
+                <a:spcPct val="0"/>
+              </a:spcAft>
+              <a:buChar char="»"/>
+              <a:defRPr sz="1200">
+                <a:solidFill>
+                  <a:srgbClr val="4D4D4D"/>
+                </a:solidFill>
+                <a:latin typeface="+mn-lt"/>
+              </a:defRPr>
+            </a:lvl5pPr>
+            <a:lvl6pPr marL="2514600" indent="-228600" algn="l" rtl="0" eaLnBrk="1" fontAlgn="base" hangingPunct="1">
+              <a:spcBef>
+                <a:spcPct val="20000"/>
+              </a:spcBef>
+              <a:spcAft>
+                <a:spcPct val="0"/>
+              </a:spcAft>
+              <a:buChar char="»"/>
+              <a:defRPr sz="1600">
+                <a:solidFill>
+                  <a:srgbClr val="4D4D4D"/>
+                </a:solidFill>
+                <a:latin typeface="+mn-lt"/>
+              </a:defRPr>
+            </a:lvl6pPr>
+            <a:lvl7pPr marL="2971800" indent="-228600" algn="l" rtl="0" eaLnBrk="1" fontAlgn="base" hangingPunct="1">
+              <a:spcBef>
+                <a:spcPct val="20000"/>
+              </a:spcBef>
+              <a:spcAft>
+                <a:spcPct val="0"/>
+              </a:spcAft>
+              <a:buChar char="»"/>
+              <a:defRPr sz="1600">
+                <a:solidFill>
+                  <a:srgbClr val="4D4D4D"/>
+                </a:solidFill>
+                <a:latin typeface="+mn-lt"/>
+              </a:defRPr>
+            </a:lvl7pPr>
+            <a:lvl8pPr marL="3429000" indent="-228600" algn="l" rtl="0" eaLnBrk="1" fontAlgn="base" hangingPunct="1">
+              <a:spcBef>
+                <a:spcPct val="20000"/>
+              </a:spcBef>
+              <a:spcAft>
+                <a:spcPct val="0"/>
+              </a:spcAft>
+              <a:buChar char="»"/>
+              <a:defRPr sz="1600">
+                <a:solidFill>
+                  <a:srgbClr val="4D4D4D"/>
+                </a:solidFill>
+                <a:latin typeface="+mn-lt"/>
+              </a:defRPr>
+            </a:lvl8pPr>
+            <a:lvl9pPr marL="3886200" indent="-228600" algn="l" rtl="0" eaLnBrk="1" fontAlgn="base" hangingPunct="1">
+              <a:spcBef>
+                <a:spcPct val="20000"/>
+              </a:spcBef>
+              <a:spcAft>
+                <a:spcPct val="0"/>
+              </a:spcAft>
+              <a:buChar char="»"/>
+              <a:defRPr sz="1600">
+                <a:solidFill>
+                  <a:srgbClr val="4D4D4D"/>
+                </a:solidFill>
+                <a:latin typeface="+mn-lt"/>
+              </a:defRPr>
+            </a:lvl9pPr>
+          </a:lstStyle>
+          <a:p>
+            <a:pPr marL="0" indent="0" algn="ctr">
+              <a:buFontTx/>
+              <a:buNone/>
+            </a:pPr>
+            <a:r>
+              <a:rPr lang="en-GB" kern="0" dirty="0"/>
+              <a:t>TN</a:t>
+            </a:r>
+          </a:p>
+        </p:txBody>
+      </p:sp>
     </p:spTree>
     <p:extLst>
       <p:ext uri="{BB962C8B-B14F-4D97-AF65-F5344CB8AC3E}">
@@ -14468,6 +16034,222 @@
                                   </p:childTnLst>
                                 </p:cTn>
                               </p:par>
+                              <p:par>
+                                <p:cTn id="25" presetID="1" presetClass="entr" presetSubtype="0" fill="hold" grpId="0" nodeType="withEffect">
+                                  <p:stCondLst>
+                                    <p:cond delay="0"/>
+                                  </p:stCondLst>
+                                  <p:childTnLst>
+                                    <p:set>
+                                      <p:cBhvr>
+                                        <p:cTn id="26" dur="1" fill="hold">
+                                          <p:stCondLst>
+                                            <p:cond delay="0"/>
+                                          </p:stCondLst>
+                                        </p:cTn>
+                                        <p:tgtEl>
+                                          <p:spTgt spid="6"/>
+                                        </p:tgtEl>
+                                        <p:attrNameLst>
+                                          <p:attrName>style.visibility</p:attrName>
+                                        </p:attrNameLst>
+                                      </p:cBhvr>
+                                      <p:to>
+                                        <p:strVal val="visible"/>
+                                      </p:to>
+                                    </p:set>
+                                  </p:childTnLst>
+                                </p:cTn>
+                              </p:par>
+                              <p:par>
+                                <p:cTn id="27" presetID="1" presetClass="entr" presetSubtype="0" fill="hold" grpId="0" nodeType="withEffect">
+                                  <p:stCondLst>
+                                    <p:cond delay="0"/>
+                                  </p:stCondLst>
+                                  <p:childTnLst>
+                                    <p:set>
+                                      <p:cBhvr>
+                                        <p:cTn id="28" dur="1" fill="hold">
+                                          <p:stCondLst>
+                                            <p:cond delay="0"/>
+                                          </p:stCondLst>
+                                        </p:cTn>
+                                        <p:tgtEl>
+                                          <p:spTgt spid="8"/>
+                                        </p:tgtEl>
+                                        <p:attrNameLst>
+                                          <p:attrName>style.visibility</p:attrName>
+                                        </p:attrNameLst>
+                                      </p:cBhvr>
+                                      <p:to>
+                                        <p:strVal val="visible"/>
+                                      </p:to>
+                                    </p:set>
+                                  </p:childTnLst>
+                                </p:cTn>
+                              </p:par>
+                              <p:par>
+                                <p:cTn id="29" presetID="1" presetClass="entr" presetSubtype="0" fill="hold" grpId="0" nodeType="withEffect">
+                                  <p:stCondLst>
+                                    <p:cond delay="0"/>
+                                  </p:stCondLst>
+                                  <p:childTnLst>
+                                    <p:set>
+                                      <p:cBhvr>
+                                        <p:cTn id="30" dur="1" fill="hold">
+                                          <p:stCondLst>
+                                            <p:cond delay="0"/>
+                                          </p:stCondLst>
+                                        </p:cTn>
+                                        <p:tgtEl>
+                                          <p:spTgt spid="9"/>
+                                        </p:tgtEl>
+                                        <p:attrNameLst>
+                                          <p:attrName>style.visibility</p:attrName>
+                                        </p:attrNameLst>
+                                      </p:cBhvr>
+                                      <p:to>
+                                        <p:strVal val="visible"/>
+                                      </p:to>
+                                    </p:set>
+                                  </p:childTnLst>
+                                </p:cTn>
+                              </p:par>
+                              <p:par>
+                                <p:cTn id="31" presetID="1" presetClass="entr" presetSubtype="0" fill="hold" grpId="0" nodeType="withEffect">
+                                  <p:stCondLst>
+                                    <p:cond delay="0"/>
+                                  </p:stCondLst>
+                                  <p:childTnLst>
+                                    <p:set>
+                                      <p:cBhvr>
+                                        <p:cTn id="32" dur="1" fill="hold">
+                                          <p:stCondLst>
+                                            <p:cond delay="0"/>
+                                          </p:stCondLst>
+                                        </p:cTn>
+                                        <p:tgtEl>
+                                          <p:spTgt spid="11"/>
+                                        </p:tgtEl>
+                                        <p:attrNameLst>
+                                          <p:attrName>style.visibility</p:attrName>
+                                        </p:attrNameLst>
+                                      </p:cBhvr>
+                                      <p:to>
+                                        <p:strVal val="visible"/>
+                                      </p:to>
+                                    </p:set>
+                                  </p:childTnLst>
+                                </p:cTn>
+                              </p:par>
+                              <p:par>
+                                <p:cTn id="33" presetID="1" presetClass="entr" presetSubtype="0" fill="hold" grpId="0" nodeType="withEffect">
+                                  <p:stCondLst>
+                                    <p:cond delay="0"/>
+                                  </p:stCondLst>
+                                  <p:childTnLst>
+                                    <p:set>
+                                      <p:cBhvr>
+                                        <p:cTn id="34" dur="1" fill="hold">
+                                          <p:stCondLst>
+                                            <p:cond delay="0"/>
+                                          </p:stCondLst>
+                                        </p:cTn>
+                                        <p:tgtEl>
+                                          <p:spTgt spid="19"/>
+                                        </p:tgtEl>
+                                        <p:attrNameLst>
+                                          <p:attrName>style.visibility</p:attrName>
+                                        </p:attrNameLst>
+                                      </p:cBhvr>
+                                      <p:to>
+                                        <p:strVal val="visible"/>
+                                      </p:to>
+                                    </p:set>
+                                  </p:childTnLst>
+                                </p:cTn>
+                              </p:par>
+                              <p:par>
+                                <p:cTn id="35" presetID="1" presetClass="entr" presetSubtype="0" fill="hold" grpId="0" nodeType="withEffect">
+                                  <p:stCondLst>
+                                    <p:cond delay="0"/>
+                                  </p:stCondLst>
+                                  <p:childTnLst>
+                                    <p:set>
+                                      <p:cBhvr>
+                                        <p:cTn id="36" dur="1" fill="hold">
+                                          <p:stCondLst>
+                                            <p:cond delay="0"/>
+                                          </p:stCondLst>
+                                        </p:cTn>
+                                        <p:tgtEl>
+                                          <p:spTgt spid="20"/>
+                                        </p:tgtEl>
+                                        <p:attrNameLst>
+                                          <p:attrName>style.visibility</p:attrName>
+                                        </p:attrNameLst>
+                                      </p:cBhvr>
+                                      <p:to>
+                                        <p:strVal val="visible"/>
+                                      </p:to>
+                                    </p:set>
+                                  </p:childTnLst>
+                                </p:cTn>
+                              </p:par>
+                              <p:par>
+                                <p:cTn id="37" presetID="1" presetClass="entr" presetSubtype="0" fill="hold" grpId="0" nodeType="withEffect">
+                                  <p:stCondLst>
+                                    <p:cond delay="0"/>
+                                  </p:stCondLst>
+                                  <p:childTnLst>
+                                    <p:set>
+                                      <p:cBhvr>
+                                        <p:cTn id="38" dur="1" fill="hold">
+                                          <p:stCondLst>
+                                            <p:cond delay="0"/>
+                                          </p:stCondLst>
+                                        </p:cTn>
+                                        <p:tgtEl>
+                                          <p:spTgt spid="21"/>
+                                        </p:tgtEl>
+                                        <p:attrNameLst>
+                                          <p:attrName>style.visibility</p:attrName>
+                                        </p:attrNameLst>
+                                      </p:cBhvr>
+                                      <p:to>
+                                        <p:strVal val="visible"/>
+                                      </p:to>
+                                    </p:set>
+                                  </p:childTnLst>
+                                </p:cTn>
+                              </p:par>
+                              <p:par>
+                                <p:cTn id="39" presetID="1" presetClass="entr" presetSubtype="0" fill="hold" grpId="0" nodeType="withEffect">
+                                  <p:stCondLst>
+                                    <p:cond delay="0"/>
+                                  </p:stCondLst>
+                                  <p:childTnLst>
+                                    <p:set>
+                                      <p:cBhvr>
+                                        <p:cTn id="40" dur="1" fill="hold">
+                                          <p:stCondLst>
+                                            <p:cond delay="0"/>
+                                          </p:stCondLst>
+                                        </p:cTn>
+                                        <p:tgtEl>
+                                          <p:spTgt spid="22"/>
+                                        </p:tgtEl>
+                                        <p:attrNameLst>
+                                          <p:attrName>style.visibility</p:attrName>
+                                        </p:attrNameLst>
+                                      </p:cBhvr>
+                                      <p:to>
+                                        <p:strVal val="visible"/>
+                                      </p:to>
+                                    </p:set>
+                                  </p:childTnLst>
+                                </p:cTn>
+                              </p:par>
                             </p:childTnLst>
                           </p:cTn>
                         </p:par>
@@ -14500,6 +16282,14 @@
       <p:bldP spid="15" grpId="0"/>
       <p:bldP spid="16" grpId="0" animBg="1"/>
       <p:bldP spid="17" grpId="0"/>
+      <p:bldP spid="6" grpId="0"/>
+      <p:bldP spid="8" grpId="0"/>
+      <p:bldP spid="9" grpId="0"/>
+      <p:bldP spid="11" grpId="0"/>
+      <p:bldP spid="19" grpId="0"/>
+      <p:bldP spid="20" grpId="0"/>
+      <p:bldP spid="21" grpId="0"/>
+      <p:bldP spid="22" grpId="0"/>
     </p:bldLst>
   </p:timing>
 </p:sld>
@@ -31516,6 +33306,1572 @@
           </a:p>
         </p:txBody>
       </p:sp>
+      <p:sp>
+        <p:nvSpPr>
+          <p:cNvPr id="3" name="Rectangle 2">
+            <a:extLst>
+              <a:ext uri="{FF2B5EF4-FFF2-40B4-BE49-F238E27FC236}">
+                <a16:creationId xmlns:a16="http://schemas.microsoft.com/office/drawing/2014/main" id="{D448CB79-6A07-FF12-3F25-2D52D98AD82B}"/>
+              </a:ext>
+            </a:extLst>
+          </p:cNvPr>
+          <p:cNvSpPr/>
+          <p:nvPr/>
+        </p:nvSpPr>
+        <p:spPr bwMode="auto">
+          <a:xfrm>
+            <a:off x="765335" y="5157192"/>
+            <a:ext cx="3456384" cy="161132"/>
+          </a:xfrm>
+          <a:prstGeom prst="rect">
+            <a:avLst/>
+          </a:prstGeom>
+          <a:solidFill>
+            <a:schemeClr val="tx1"/>
+          </a:solidFill>
+          <a:ln w="19050" cap="flat" cmpd="sng" algn="ctr">
+            <a:solidFill>
+              <a:schemeClr val="tx1"/>
+            </a:solidFill>
+            <a:prstDash val="solid"/>
+            <a:round/>
+            <a:headEnd type="none" w="med" len="med"/>
+            <a:tailEnd type="none" w="med" len="med"/>
+          </a:ln>
+          <a:effectLst/>
+        </p:spPr>
+        <p:txBody>
+          <a:bodyPr vert="horz" wrap="square" lIns="90000" tIns="46800" rIns="90000" bIns="46800" numCol="1" rtlCol="0" anchor="ctr" anchorCtr="0" compatLnSpc="1">
+            <a:prstTxWarp prst="textNoShape">
+              <a:avLst/>
+            </a:prstTxWarp>
+          </a:bodyPr>
+          <a:lstStyle/>
+          <a:p>
+            <a:pPr marL="0" marR="0" indent="0" algn="ctr" defTabSz="914400" rtl="0" eaLnBrk="0" fontAlgn="base" latinLnBrk="0" hangingPunct="0">
+              <a:lnSpc>
+                <a:spcPct val="100000"/>
+              </a:lnSpc>
+              <a:spcBef>
+                <a:spcPct val="20000"/>
+              </a:spcBef>
+              <a:spcAft>
+                <a:spcPct val="0"/>
+              </a:spcAft>
+              <a:buClrTx/>
+              <a:buSzTx/>
+              <a:buFontTx/>
+              <a:buNone/>
+              <a:tabLst/>
+            </a:pPr>
+            <a:endParaRPr kumimoji="0" lang="en-US" sz="1800" b="0" i="0" u="none" strike="noStrike" cap="none" normalizeH="0" baseline="0">
+              <a:ln>
+                <a:noFill/>
+              </a:ln>
+              <a:solidFill>
+                <a:srgbClr val="000066"/>
+              </a:solidFill>
+              <a:effectLst/>
+              <a:latin typeface="Arial" charset="0"/>
+            </a:endParaRPr>
+          </a:p>
+        </p:txBody>
+      </p:sp>
+      <p:sp>
+        <p:nvSpPr>
+          <p:cNvPr id="6" name="Textplatzhalter 8">
+            <a:extLst>
+              <a:ext uri="{FF2B5EF4-FFF2-40B4-BE49-F238E27FC236}">
+                <a16:creationId xmlns:a16="http://schemas.microsoft.com/office/drawing/2014/main" id="{9867C960-B493-8125-F4AA-6CB938C2B3C6}"/>
+              </a:ext>
+            </a:extLst>
+          </p:cNvPr>
+          <p:cNvSpPr txBox="1">
+            <a:spLocks/>
+          </p:cNvSpPr>
+          <p:nvPr/>
+        </p:nvSpPr>
+        <p:spPr>
+          <a:xfrm>
+            <a:off x="654581" y="5031428"/>
+            <a:ext cx="1046033" cy="539559"/>
+          </a:xfrm>
+          <a:prstGeom prst="rect">
+            <a:avLst/>
+          </a:prstGeom>
+        </p:spPr>
+        <p:txBody>
+          <a:bodyPr lIns="216000" anchor="ctr" anchorCtr="0">
+            <a:normAutofit/>
+          </a:bodyPr>
+          <a:lstStyle>
+            <a:lvl1pPr marL="342900" indent="-342900" algn="l" rtl="0" eaLnBrk="1" fontAlgn="base" hangingPunct="1">
+              <a:spcBef>
+                <a:spcPts val="600"/>
+              </a:spcBef>
+              <a:spcAft>
+                <a:spcPts val="600"/>
+              </a:spcAft>
+              <a:buChar char="•"/>
+              <a:defRPr sz="2000">
+                <a:solidFill>
+                  <a:schemeClr val="bg1"/>
+                </a:solidFill>
+                <a:latin typeface="+mn-lt"/>
+                <a:ea typeface="+mn-ea"/>
+                <a:cs typeface="+mn-cs"/>
+              </a:defRPr>
+            </a:lvl1pPr>
+            <a:lvl2pPr marL="742950" indent="-285750" algn="l" rtl="0" eaLnBrk="1" fontAlgn="base" hangingPunct="1">
+              <a:spcBef>
+                <a:spcPct val="20000"/>
+              </a:spcBef>
+              <a:spcAft>
+                <a:spcPct val="0"/>
+              </a:spcAft>
+              <a:buChar char="–"/>
+              <a:defRPr sz="1800">
+                <a:solidFill>
+                  <a:srgbClr val="4D4D4D"/>
+                </a:solidFill>
+                <a:latin typeface="+mn-lt"/>
+              </a:defRPr>
+            </a:lvl2pPr>
+            <a:lvl3pPr marL="1143000" indent="-228600" algn="l" rtl="0" eaLnBrk="1" fontAlgn="base" hangingPunct="1">
+              <a:spcBef>
+                <a:spcPct val="20000"/>
+              </a:spcBef>
+              <a:spcAft>
+                <a:spcPct val="0"/>
+              </a:spcAft>
+              <a:buChar char="•"/>
+              <a:defRPr sz="1600">
+                <a:solidFill>
+                  <a:srgbClr val="4D4D4D"/>
+                </a:solidFill>
+                <a:latin typeface="+mn-lt"/>
+              </a:defRPr>
+            </a:lvl3pPr>
+            <a:lvl4pPr marL="1600200" indent="-228600" algn="l" rtl="0" eaLnBrk="1" fontAlgn="base" hangingPunct="1">
+              <a:spcBef>
+                <a:spcPct val="20000"/>
+              </a:spcBef>
+              <a:spcAft>
+                <a:spcPct val="0"/>
+              </a:spcAft>
+              <a:buChar char="–"/>
+              <a:defRPr sz="1400">
+                <a:solidFill>
+                  <a:srgbClr val="4D4D4D"/>
+                </a:solidFill>
+                <a:latin typeface="+mn-lt"/>
+              </a:defRPr>
+            </a:lvl4pPr>
+            <a:lvl5pPr marL="2057400" indent="-228600" algn="l" rtl="0" eaLnBrk="1" fontAlgn="base" hangingPunct="1">
+              <a:spcBef>
+                <a:spcPct val="20000"/>
+              </a:spcBef>
+              <a:spcAft>
+                <a:spcPct val="0"/>
+              </a:spcAft>
+              <a:buChar char="»"/>
+              <a:defRPr sz="1200">
+                <a:solidFill>
+                  <a:srgbClr val="4D4D4D"/>
+                </a:solidFill>
+                <a:latin typeface="+mn-lt"/>
+              </a:defRPr>
+            </a:lvl5pPr>
+            <a:lvl6pPr marL="2514600" indent="-228600" algn="l" rtl="0" eaLnBrk="1" fontAlgn="base" hangingPunct="1">
+              <a:spcBef>
+                <a:spcPct val="20000"/>
+              </a:spcBef>
+              <a:spcAft>
+                <a:spcPct val="0"/>
+              </a:spcAft>
+              <a:buChar char="»"/>
+              <a:defRPr sz="1600">
+                <a:solidFill>
+                  <a:srgbClr val="4D4D4D"/>
+                </a:solidFill>
+                <a:latin typeface="+mn-lt"/>
+              </a:defRPr>
+            </a:lvl6pPr>
+            <a:lvl7pPr marL="2971800" indent="-228600" algn="l" rtl="0" eaLnBrk="1" fontAlgn="base" hangingPunct="1">
+              <a:spcBef>
+                <a:spcPct val="20000"/>
+              </a:spcBef>
+              <a:spcAft>
+                <a:spcPct val="0"/>
+              </a:spcAft>
+              <a:buChar char="»"/>
+              <a:defRPr sz="1600">
+                <a:solidFill>
+                  <a:srgbClr val="4D4D4D"/>
+                </a:solidFill>
+                <a:latin typeface="+mn-lt"/>
+              </a:defRPr>
+            </a:lvl7pPr>
+            <a:lvl8pPr marL="3429000" indent="-228600" algn="l" rtl="0" eaLnBrk="1" fontAlgn="base" hangingPunct="1">
+              <a:spcBef>
+                <a:spcPct val="20000"/>
+              </a:spcBef>
+              <a:spcAft>
+                <a:spcPct val="0"/>
+              </a:spcAft>
+              <a:buChar char="»"/>
+              <a:defRPr sz="1600">
+                <a:solidFill>
+                  <a:srgbClr val="4D4D4D"/>
+                </a:solidFill>
+                <a:latin typeface="+mn-lt"/>
+              </a:defRPr>
+            </a:lvl8pPr>
+            <a:lvl9pPr marL="3886200" indent="-228600" algn="l" rtl="0" eaLnBrk="1" fontAlgn="base" hangingPunct="1">
+              <a:spcBef>
+                <a:spcPct val="20000"/>
+              </a:spcBef>
+              <a:spcAft>
+                <a:spcPct val="0"/>
+              </a:spcAft>
+              <a:buChar char="»"/>
+              <a:defRPr sz="1600">
+                <a:solidFill>
+                  <a:srgbClr val="4D4D4D"/>
+                </a:solidFill>
+                <a:latin typeface="+mn-lt"/>
+              </a:defRPr>
+            </a:lvl9pPr>
+          </a:lstStyle>
+          <a:p>
+            <a:pPr marL="0" indent="0" algn="ctr">
+              <a:buFontTx/>
+              <a:buNone/>
+            </a:pPr>
+            <a:r>
+              <a:rPr lang="en-GB" sz="1400" kern="0" dirty="0"/>
+              <a:t>Accuracy</a:t>
+            </a:r>
+          </a:p>
+        </p:txBody>
+      </p:sp>
+      <p:sp>
+        <p:nvSpPr>
+          <p:cNvPr id="8" name="Textplatzhalter 8">
+            <a:extLst>
+              <a:ext uri="{FF2B5EF4-FFF2-40B4-BE49-F238E27FC236}">
+                <a16:creationId xmlns:a16="http://schemas.microsoft.com/office/drawing/2014/main" id="{6ECA35B8-27AC-1BEA-E2E9-CC660672450E}"/>
+              </a:ext>
+            </a:extLst>
+          </p:cNvPr>
+          <p:cNvSpPr txBox="1">
+            <a:spLocks/>
+          </p:cNvSpPr>
+          <p:nvPr/>
+        </p:nvSpPr>
+        <p:spPr>
+          <a:xfrm>
+            <a:off x="1539173" y="5048544"/>
+            <a:ext cx="1072111" cy="539559"/>
+          </a:xfrm>
+          <a:prstGeom prst="rect">
+            <a:avLst/>
+          </a:prstGeom>
+        </p:spPr>
+        <p:txBody>
+          <a:bodyPr lIns="216000" anchor="ctr" anchorCtr="0">
+            <a:normAutofit/>
+          </a:bodyPr>
+          <a:lstStyle>
+            <a:lvl1pPr marL="342900" indent="-342900" algn="l" rtl="0" eaLnBrk="1" fontAlgn="base" hangingPunct="1">
+              <a:spcBef>
+                <a:spcPts val="600"/>
+              </a:spcBef>
+              <a:spcAft>
+                <a:spcPts val="600"/>
+              </a:spcAft>
+              <a:buChar char="•"/>
+              <a:defRPr sz="2000">
+                <a:solidFill>
+                  <a:schemeClr val="bg1"/>
+                </a:solidFill>
+                <a:latin typeface="+mn-lt"/>
+                <a:ea typeface="+mn-ea"/>
+                <a:cs typeface="+mn-cs"/>
+              </a:defRPr>
+            </a:lvl1pPr>
+            <a:lvl2pPr marL="742950" indent="-285750" algn="l" rtl="0" eaLnBrk="1" fontAlgn="base" hangingPunct="1">
+              <a:spcBef>
+                <a:spcPct val="20000"/>
+              </a:spcBef>
+              <a:spcAft>
+                <a:spcPct val="0"/>
+              </a:spcAft>
+              <a:buChar char="–"/>
+              <a:defRPr sz="1800">
+                <a:solidFill>
+                  <a:srgbClr val="4D4D4D"/>
+                </a:solidFill>
+                <a:latin typeface="+mn-lt"/>
+              </a:defRPr>
+            </a:lvl2pPr>
+            <a:lvl3pPr marL="1143000" indent="-228600" algn="l" rtl="0" eaLnBrk="1" fontAlgn="base" hangingPunct="1">
+              <a:spcBef>
+                <a:spcPct val="20000"/>
+              </a:spcBef>
+              <a:spcAft>
+                <a:spcPct val="0"/>
+              </a:spcAft>
+              <a:buChar char="•"/>
+              <a:defRPr sz="1600">
+                <a:solidFill>
+                  <a:srgbClr val="4D4D4D"/>
+                </a:solidFill>
+                <a:latin typeface="+mn-lt"/>
+              </a:defRPr>
+            </a:lvl3pPr>
+            <a:lvl4pPr marL="1600200" indent="-228600" algn="l" rtl="0" eaLnBrk="1" fontAlgn="base" hangingPunct="1">
+              <a:spcBef>
+                <a:spcPct val="20000"/>
+              </a:spcBef>
+              <a:spcAft>
+                <a:spcPct val="0"/>
+              </a:spcAft>
+              <a:buChar char="–"/>
+              <a:defRPr sz="1400">
+                <a:solidFill>
+                  <a:srgbClr val="4D4D4D"/>
+                </a:solidFill>
+                <a:latin typeface="+mn-lt"/>
+              </a:defRPr>
+            </a:lvl4pPr>
+            <a:lvl5pPr marL="2057400" indent="-228600" algn="l" rtl="0" eaLnBrk="1" fontAlgn="base" hangingPunct="1">
+              <a:spcBef>
+                <a:spcPct val="20000"/>
+              </a:spcBef>
+              <a:spcAft>
+                <a:spcPct val="0"/>
+              </a:spcAft>
+              <a:buChar char="»"/>
+              <a:defRPr sz="1200">
+                <a:solidFill>
+                  <a:srgbClr val="4D4D4D"/>
+                </a:solidFill>
+                <a:latin typeface="+mn-lt"/>
+              </a:defRPr>
+            </a:lvl5pPr>
+            <a:lvl6pPr marL="2514600" indent="-228600" algn="l" rtl="0" eaLnBrk="1" fontAlgn="base" hangingPunct="1">
+              <a:spcBef>
+                <a:spcPct val="20000"/>
+              </a:spcBef>
+              <a:spcAft>
+                <a:spcPct val="0"/>
+              </a:spcAft>
+              <a:buChar char="»"/>
+              <a:defRPr sz="1600">
+                <a:solidFill>
+                  <a:srgbClr val="4D4D4D"/>
+                </a:solidFill>
+                <a:latin typeface="+mn-lt"/>
+              </a:defRPr>
+            </a:lvl6pPr>
+            <a:lvl7pPr marL="2971800" indent="-228600" algn="l" rtl="0" eaLnBrk="1" fontAlgn="base" hangingPunct="1">
+              <a:spcBef>
+                <a:spcPct val="20000"/>
+              </a:spcBef>
+              <a:spcAft>
+                <a:spcPct val="0"/>
+              </a:spcAft>
+              <a:buChar char="»"/>
+              <a:defRPr sz="1600">
+                <a:solidFill>
+                  <a:srgbClr val="4D4D4D"/>
+                </a:solidFill>
+                <a:latin typeface="+mn-lt"/>
+              </a:defRPr>
+            </a:lvl7pPr>
+            <a:lvl8pPr marL="3429000" indent="-228600" algn="l" rtl="0" eaLnBrk="1" fontAlgn="base" hangingPunct="1">
+              <a:spcBef>
+                <a:spcPct val="20000"/>
+              </a:spcBef>
+              <a:spcAft>
+                <a:spcPct val="0"/>
+              </a:spcAft>
+              <a:buChar char="»"/>
+              <a:defRPr sz="1600">
+                <a:solidFill>
+                  <a:srgbClr val="4D4D4D"/>
+                </a:solidFill>
+                <a:latin typeface="+mn-lt"/>
+              </a:defRPr>
+            </a:lvl8pPr>
+            <a:lvl9pPr marL="3886200" indent="-228600" algn="l" rtl="0" eaLnBrk="1" fontAlgn="base" hangingPunct="1">
+              <a:spcBef>
+                <a:spcPct val="20000"/>
+              </a:spcBef>
+              <a:spcAft>
+                <a:spcPct val="0"/>
+              </a:spcAft>
+              <a:buChar char="»"/>
+              <a:defRPr sz="1600">
+                <a:solidFill>
+                  <a:srgbClr val="4D4D4D"/>
+                </a:solidFill>
+                <a:latin typeface="+mn-lt"/>
+              </a:defRPr>
+            </a:lvl9pPr>
+          </a:lstStyle>
+          <a:p>
+            <a:pPr marL="0" indent="0" algn="ctr">
+              <a:buFontTx/>
+              <a:buNone/>
+            </a:pPr>
+            <a:r>
+              <a:rPr lang="en-GB" sz="1400" kern="0" dirty="0"/>
+              <a:t>Precision</a:t>
+            </a:r>
+          </a:p>
+        </p:txBody>
+      </p:sp>
+      <p:sp>
+        <p:nvSpPr>
+          <p:cNvPr id="9" name="Textplatzhalter 8">
+            <a:extLst>
+              <a:ext uri="{FF2B5EF4-FFF2-40B4-BE49-F238E27FC236}">
+                <a16:creationId xmlns:a16="http://schemas.microsoft.com/office/drawing/2014/main" id="{47D33212-E6CB-CAC4-3619-0A09E0899E65}"/>
+              </a:ext>
+            </a:extLst>
+          </p:cNvPr>
+          <p:cNvSpPr txBox="1">
+            <a:spLocks/>
+          </p:cNvSpPr>
+          <p:nvPr/>
+        </p:nvSpPr>
+        <p:spPr>
+          <a:xfrm>
+            <a:off x="2451270" y="5046117"/>
+            <a:ext cx="986437" cy="539559"/>
+          </a:xfrm>
+          <a:prstGeom prst="rect">
+            <a:avLst/>
+          </a:prstGeom>
+        </p:spPr>
+        <p:txBody>
+          <a:bodyPr lIns="216000" anchor="ctr" anchorCtr="0">
+            <a:normAutofit/>
+          </a:bodyPr>
+          <a:lstStyle>
+            <a:lvl1pPr marL="342900" indent="-342900" algn="l" rtl="0" eaLnBrk="1" fontAlgn="base" hangingPunct="1">
+              <a:spcBef>
+                <a:spcPts val="600"/>
+              </a:spcBef>
+              <a:spcAft>
+                <a:spcPts val="600"/>
+              </a:spcAft>
+              <a:buChar char="•"/>
+              <a:defRPr sz="2000">
+                <a:solidFill>
+                  <a:schemeClr val="bg1"/>
+                </a:solidFill>
+                <a:latin typeface="+mn-lt"/>
+                <a:ea typeface="+mn-ea"/>
+                <a:cs typeface="+mn-cs"/>
+              </a:defRPr>
+            </a:lvl1pPr>
+            <a:lvl2pPr marL="742950" indent="-285750" algn="l" rtl="0" eaLnBrk="1" fontAlgn="base" hangingPunct="1">
+              <a:spcBef>
+                <a:spcPct val="20000"/>
+              </a:spcBef>
+              <a:spcAft>
+                <a:spcPct val="0"/>
+              </a:spcAft>
+              <a:buChar char="–"/>
+              <a:defRPr sz="1800">
+                <a:solidFill>
+                  <a:srgbClr val="4D4D4D"/>
+                </a:solidFill>
+                <a:latin typeface="+mn-lt"/>
+              </a:defRPr>
+            </a:lvl2pPr>
+            <a:lvl3pPr marL="1143000" indent="-228600" algn="l" rtl="0" eaLnBrk="1" fontAlgn="base" hangingPunct="1">
+              <a:spcBef>
+                <a:spcPct val="20000"/>
+              </a:spcBef>
+              <a:spcAft>
+                <a:spcPct val="0"/>
+              </a:spcAft>
+              <a:buChar char="•"/>
+              <a:defRPr sz="1600">
+                <a:solidFill>
+                  <a:srgbClr val="4D4D4D"/>
+                </a:solidFill>
+                <a:latin typeface="+mn-lt"/>
+              </a:defRPr>
+            </a:lvl3pPr>
+            <a:lvl4pPr marL="1600200" indent="-228600" algn="l" rtl="0" eaLnBrk="1" fontAlgn="base" hangingPunct="1">
+              <a:spcBef>
+                <a:spcPct val="20000"/>
+              </a:spcBef>
+              <a:spcAft>
+                <a:spcPct val="0"/>
+              </a:spcAft>
+              <a:buChar char="–"/>
+              <a:defRPr sz="1400">
+                <a:solidFill>
+                  <a:srgbClr val="4D4D4D"/>
+                </a:solidFill>
+                <a:latin typeface="+mn-lt"/>
+              </a:defRPr>
+            </a:lvl4pPr>
+            <a:lvl5pPr marL="2057400" indent="-228600" algn="l" rtl="0" eaLnBrk="1" fontAlgn="base" hangingPunct="1">
+              <a:spcBef>
+                <a:spcPct val="20000"/>
+              </a:spcBef>
+              <a:spcAft>
+                <a:spcPct val="0"/>
+              </a:spcAft>
+              <a:buChar char="»"/>
+              <a:defRPr sz="1200">
+                <a:solidFill>
+                  <a:srgbClr val="4D4D4D"/>
+                </a:solidFill>
+                <a:latin typeface="+mn-lt"/>
+              </a:defRPr>
+            </a:lvl5pPr>
+            <a:lvl6pPr marL="2514600" indent="-228600" algn="l" rtl="0" eaLnBrk="1" fontAlgn="base" hangingPunct="1">
+              <a:spcBef>
+                <a:spcPct val="20000"/>
+              </a:spcBef>
+              <a:spcAft>
+                <a:spcPct val="0"/>
+              </a:spcAft>
+              <a:buChar char="»"/>
+              <a:defRPr sz="1600">
+                <a:solidFill>
+                  <a:srgbClr val="4D4D4D"/>
+                </a:solidFill>
+                <a:latin typeface="+mn-lt"/>
+              </a:defRPr>
+            </a:lvl6pPr>
+            <a:lvl7pPr marL="2971800" indent="-228600" algn="l" rtl="0" eaLnBrk="1" fontAlgn="base" hangingPunct="1">
+              <a:spcBef>
+                <a:spcPct val="20000"/>
+              </a:spcBef>
+              <a:spcAft>
+                <a:spcPct val="0"/>
+              </a:spcAft>
+              <a:buChar char="»"/>
+              <a:defRPr sz="1600">
+                <a:solidFill>
+                  <a:srgbClr val="4D4D4D"/>
+                </a:solidFill>
+                <a:latin typeface="+mn-lt"/>
+              </a:defRPr>
+            </a:lvl7pPr>
+            <a:lvl8pPr marL="3429000" indent="-228600" algn="l" rtl="0" eaLnBrk="1" fontAlgn="base" hangingPunct="1">
+              <a:spcBef>
+                <a:spcPct val="20000"/>
+              </a:spcBef>
+              <a:spcAft>
+                <a:spcPct val="0"/>
+              </a:spcAft>
+              <a:buChar char="»"/>
+              <a:defRPr sz="1600">
+                <a:solidFill>
+                  <a:srgbClr val="4D4D4D"/>
+                </a:solidFill>
+                <a:latin typeface="+mn-lt"/>
+              </a:defRPr>
+            </a:lvl8pPr>
+            <a:lvl9pPr marL="3886200" indent="-228600" algn="l" rtl="0" eaLnBrk="1" fontAlgn="base" hangingPunct="1">
+              <a:spcBef>
+                <a:spcPct val="20000"/>
+              </a:spcBef>
+              <a:spcAft>
+                <a:spcPct val="0"/>
+              </a:spcAft>
+              <a:buChar char="»"/>
+              <a:defRPr sz="1600">
+                <a:solidFill>
+                  <a:srgbClr val="4D4D4D"/>
+                </a:solidFill>
+                <a:latin typeface="+mn-lt"/>
+              </a:defRPr>
+            </a:lvl9pPr>
+          </a:lstStyle>
+          <a:p>
+            <a:pPr marL="0" indent="0" algn="ctr">
+              <a:buFontTx/>
+              <a:buNone/>
+            </a:pPr>
+            <a:r>
+              <a:rPr lang="en-GB" sz="1400" kern="0" dirty="0"/>
+              <a:t>Recall</a:t>
+            </a:r>
+          </a:p>
+        </p:txBody>
+      </p:sp>
+      <p:sp>
+        <p:nvSpPr>
+          <p:cNvPr id="11" name="Textplatzhalter 8">
+            <a:extLst>
+              <a:ext uri="{FF2B5EF4-FFF2-40B4-BE49-F238E27FC236}">
+                <a16:creationId xmlns:a16="http://schemas.microsoft.com/office/drawing/2014/main" id="{15D2A3A7-2491-C00C-2556-EE2101919C19}"/>
+              </a:ext>
+            </a:extLst>
+          </p:cNvPr>
+          <p:cNvSpPr txBox="1">
+            <a:spLocks/>
+          </p:cNvSpPr>
+          <p:nvPr/>
+        </p:nvSpPr>
+        <p:spPr>
+          <a:xfrm>
+            <a:off x="3282003" y="5043690"/>
+            <a:ext cx="1056324" cy="539559"/>
+          </a:xfrm>
+          <a:prstGeom prst="rect">
+            <a:avLst/>
+          </a:prstGeom>
+        </p:spPr>
+        <p:txBody>
+          <a:bodyPr lIns="216000" anchor="ctr" anchorCtr="0">
+            <a:normAutofit/>
+          </a:bodyPr>
+          <a:lstStyle>
+            <a:lvl1pPr marL="342900" indent="-342900" algn="l" rtl="0" eaLnBrk="1" fontAlgn="base" hangingPunct="1">
+              <a:spcBef>
+                <a:spcPts val="600"/>
+              </a:spcBef>
+              <a:spcAft>
+                <a:spcPts val="600"/>
+              </a:spcAft>
+              <a:buChar char="•"/>
+              <a:defRPr sz="2000">
+                <a:solidFill>
+                  <a:schemeClr val="bg1"/>
+                </a:solidFill>
+                <a:latin typeface="+mn-lt"/>
+                <a:ea typeface="+mn-ea"/>
+                <a:cs typeface="+mn-cs"/>
+              </a:defRPr>
+            </a:lvl1pPr>
+            <a:lvl2pPr marL="742950" indent="-285750" algn="l" rtl="0" eaLnBrk="1" fontAlgn="base" hangingPunct="1">
+              <a:spcBef>
+                <a:spcPct val="20000"/>
+              </a:spcBef>
+              <a:spcAft>
+                <a:spcPct val="0"/>
+              </a:spcAft>
+              <a:buChar char="–"/>
+              <a:defRPr sz="1800">
+                <a:solidFill>
+                  <a:srgbClr val="4D4D4D"/>
+                </a:solidFill>
+                <a:latin typeface="+mn-lt"/>
+              </a:defRPr>
+            </a:lvl2pPr>
+            <a:lvl3pPr marL="1143000" indent="-228600" algn="l" rtl="0" eaLnBrk="1" fontAlgn="base" hangingPunct="1">
+              <a:spcBef>
+                <a:spcPct val="20000"/>
+              </a:spcBef>
+              <a:spcAft>
+                <a:spcPct val="0"/>
+              </a:spcAft>
+              <a:buChar char="•"/>
+              <a:defRPr sz="1600">
+                <a:solidFill>
+                  <a:srgbClr val="4D4D4D"/>
+                </a:solidFill>
+                <a:latin typeface="+mn-lt"/>
+              </a:defRPr>
+            </a:lvl3pPr>
+            <a:lvl4pPr marL="1600200" indent="-228600" algn="l" rtl="0" eaLnBrk="1" fontAlgn="base" hangingPunct="1">
+              <a:spcBef>
+                <a:spcPct val="20000"/>
+              </a:spcBef>
+              <a:spcAft>
+                <a:spcPct val="0"/>
+              </a:spcAft>
+              <a:buChar char="–"/>
+              <a:defRPr sz="1400">
+                <a:solidFill>
+                  <a:srgbClr val="4D4D4D"/>
+                </a:solidFill>
+                <a:latin typeface="+mn-lt"/>
+              </a:defRPr>
+            </a:lvl4pPr>
+            <a:lvl5pPr marL="2057400" indent="-228600" algn="l" rtl="0" eaLnBrk="1" fontAlgn="base" hangingPunct="1">
+              <a:spcBef>
+                <a:spcPct val="20000"/>
+              </a:spcBef>
+              <a:spcAft>
+                <a:spcPct val="0"/>
+              </a:spcAft>
+              <a:buChar char="»"/>
+              <a:defRPr sz="1200">
+                <a:solidFill>
+                  <a:srgbClr val="4D4D4D"/>
+                </a:solidFill>
+                <a:latin typeface="+mn-lt"/>
+              </a:defRPr>
+            </a:lvl5pPr>
+            <a:lvl6pPr marL="2514600" indent="-228600" algn="l" rtl="0" eaLnBrk="1" fontAlgn="base" hangingPunct="1">
+              <a:spcBef>
+                <a:spcPct val="20000"/>
+              </a:spcBef>
+              <a:spcAft>
+                <a:spcPct val="0"/>
+              </a:spcAft>
+              <a:buChar char="»"/>
+              <a:defRPr sz="1600">
+                <a:solidFill>
+                  <a:srgbClr val="4D4D4D"/>
+                </a:solidFill>
+                <a:latin typeface="+mn-lt"/>
+              </a:defRPr>
+            </a:lvl6pPr>
+            <a:lvl7pPr marL="2971800" indent="-228600" algn="l" rtl="0" eaLnBrk="1" fontAlgn="base" hangingPunct="1">
+              <a:spcBef>
+                <a:spcPct val="20000"/>
+              </a:spcBef>
+              <a:spcAft>
+                <a:spcPct val="0"/>
+              </a:spcAft>
+              <a:buChar char="»"/>
+              <a:defRPr sz="1600">
+                <a:solidFill>
+                  <a:srgbClr val="4D4D4D"/>
+                </a:solidFill>
+                <a:latin typeface="+mn-lt"/>
+              </a:defRPr>
+            </a:lvl7pPr>
+            <a:lvl8pPr marL="3429000" indent="-228600" algn="l" rtl="0" eaLnBrk="1" fontAlgn="base" hangingPunct="1">
+              <a:spcBef>
+                <a:spcPct val="20000"/>
+              </a:spcBef>
+              <a:spcAft>
+                <a:spcPct val="0"/>
+              </a:spcAft>
+              <a:buChar char="»"/>
+              <a:defRPr sz="1600">
+                <a:solidFill>
+                  <a:srgbClr val="4D4D4D"/>
+                </a:solidFill>
+                <a:latin typeface="+mn-lt"/>
+              </a:defRPr>
+            </a:lvl8pPr>
+            <a:lvl9pPr marL="3886200" indent="-228600" algn="l" rtl="0" eaLnBrk="1" fontAlgn="base" hangingPunct="1">
+              <a:spcBef>
+                <a:spcPct val="20000"/>
+              </a:spcBef>
+              <a:spcAft>
+                <a:spcPct val="0"/>
+              </a:spcAft>
+              <a:buChar char="»"/>
+              <a:defRPr sz="1600">
+                <a:solidFill>
+                  <a:srgbClr val="4D4D4D"/>
+                </a:solidFill>
+                <a:latin typeface="+mn-lt"/>
+              </a:defRPr>
+            </a:lvl9pPr>
+          </a:lstStyle>
+          <a:p>
+            <a:pPr marL="0" indent="0" algn="ctr">
+              <a:buFontTx/>
+              <a:buNone/>
+            </a:pPr>
+            <a:r>
+              <a:rPr lang="en-GB" sz="1400" kern="0" dirty="0"/>
+              <a:t>F1-Score</a:t>
+            </a:r>
+          </a:p>
+        </p:txBody>
+      </p:sp>
+      <p:sp>
+        <p:nvSpPr>
+          <p:cNvPr id="18" name="Rectangle 17">
+            <a:extLst>
+              <a:ext uri="{FF2B5EF4-FFF2-40B4-BE49-F238E27FC236}">
+                <a16:creationId xmlns:a16="http://schemas.microsoft.com/office/drawing/2014/main" id="{65BB1D11-65F0-7ED4-DCAD-AFC550309121}"/>
+              </a:ext>
+            </a:extLst>
+          </p:cNvPr>
+          <p:cNvSpPr/>
+          <p:nvPr/>
+        </p:nvSpPr>
+        <p:spPr bwMode="auto">
+          <a:xfrm>
+            <a:off x="5004048" y="5157192"/>
+            <a:ext cx="3518180" cy="161132"/>
+          </a:xfrm>
+          <a:prstGeom prst="rect">
+            <a:avLst/>
+          </a:prstGeom>
+          <a:solidFill>
+            <a:schemeClr val="tx1"/>
+          </a:solidFill>
+          <a:ln w="19050" cap="flat" cmpd="sng" algn="ctr">
+            <a:solidFill>
+              <a:schemeClr val="tx1"/>
+            </a:solidFill>
+            <a:prstDash val="solid"/>
+            <a:round/>
+            <a:headEnd type="none" w="med" len="med"/>
+            <a:tailEnd type="none" w="med" len="med"/>
+          </a:ln>
+          <a:effectLst/>
+        </p:spPr>
+        <p:txBody>
+          <a:bodyPr vert="horz" wrap="square" lIns="90000" tIns="46800" rIns="90000" bIns="46800" numCol="1" rtlCol="0" anchor="ctr" anchorCtr="0" compatLnSpc="1">
+            <a:prstTxWarp prst="textNoShape">
+              <a:avLst/>
+            </a:prstTxWarp>
+          </a:bodyPr>
+          <a:lstStyle/>
+          <a:p>
+            <a:pPr marL="0" marR="0" indent="0" algn="ctr" defTabSz="914400" rtl="0" eaLnBrk="0" fontAlgn="base" latinLnBrk="0" hangingPunct="0">
+              <a:lnSpc>
+                <a:spcPct val="100000"/>
+              </a:lnSpc>
+              <a:spcBef>
+                <a:spcPct val="20000"/>
+              </a:spcBef>
+              <a:spcAft>
+                <a:spcPct val="0"/>
+              </a:spcAft>
+              <a:buClrTx/>
+              <a:buSzTx/>
+              <a:buFontTx/>
+              <a:buNone/>
+              <a:tabLst/>
+            </a:pPr>
+            <a:endParaRPr kumimoji="0" lang="en-US" sz="1800" b="0" i="0" u="none" strike="noStrike" cap="none" normalizeH="0" baseline="0">
+              <a:ln>
+                <a:noFill/>
+              </a:ln>
+              <a:solidFill>
+                <a:srgbClr val="000066"/>
+              </a:solidFill>
+              <a:effectLst/>
+              <a:latin typeface="Arial" charset="0"/>
+            </a:endParaRPr>
+          </a:p>
+        </p:txBody>
+      </p:sp>
+      <p:sp>
+        <p:nvSpPr>
+          <p:cNvPr id="19" name="Textplatzhalter 8">
+            <a:extLst>
+              <a:ext uri="{FF2B5EF4-FFF2-40B4-BE49-F238E27FC236}">
+                <a16:creationId xmlns:a16="http://schemas.microsoft.com/office/drawing/2014/main" id="{BA351387-7E79-E343-ECC3-318FEA2B1E2A}"/>
+              </a:ext>
+            </a:extLst>
+          </p:cNvPr>
+          <p:cNvSpPr txBox="1">
+            <a:spLocks/>
+          </p:cNvSpPr>
+          <p:nvPr/>
+        </p:nvSpPr>
+        <p:spPr>
+          <a:xfrm>
+            <a:off x="4984569" y="5031428"/>
+            <a:ext cx="756625" cy="539559"/>
+          </a:xfrm>
+          <a:prstGeom prst="rect">
+            <a:avLst/>
+          </a:prstGeom>
+        </p:spPr>
+        <p:txBody>
+          <a:bodyPr lIns="216000" anchor="ctr" anchorCtr="0">
+            <a:normAutofit/>
+          </a:bodyPr>
+          <a:lstStyle>
+            <a:lvl1pPr marL="342900" indent="-342900" algn="l" rtl="0" eaLnBrk="1" fontAlgn="base" hangingPunct="1">
+              <a:spcBef>
+                <a:spcPts val="600"/>
+              </a:spcBef>
+              <a:spcAft>
+                <a:spcPts val="600"/>
+              </a:spcAft>
+              <a:buChar char="•"/>
+              <a:defRPr sz="2000">
+                <a:solidFill>
+                  <a:schemeClr val="bg1"/>
+                </a:solidFill>
+                <a:latin typeface="+mn-lt"/>
+                <a:ea typeface="+mn-ea"/>
+                <a:cs typeface="+mn-cs"/>
+              </a:defRPr>
+            </a:lvl1pPr>
+            <a:lvl2pPr marL="742950" indent="-285750" algn="l" rtl="0" eaLnBrk="1" fontAlgn="base" hangingPunct="1">
+              <a:spcBef>
+                <a:spcPct val="20000"/>
+              </a:spcBef>
+              <a:spcAft>
+                <a:spcPct val="0"/>
+              </a:spcAft>
+              <a:buChar char="–"/>
+              <a:defRPr sz="1800">
+                <a:solidFill>
+                  <a:srgbClr val="4D4D4D"/>
+                </a:solidFill>
+                <a:latin typeface="+mn-lt"/>
+              </a:defRPr>
+            </a:lvl2pPr>
+            <a:lvl3pPr marL="1143000" indent="-228600" algn="l" rtl="0" eaLnBrk="1" fontAlgn="base" hangingPunct="1">
+              <a:spcBef>
+                <a:spcPct val="20000"/>
+              </a:spcBef>
+              <a:spcAft>
+                <a:spcPct val="0"/>
+              </a:spcAft>
+              <a:buChar char="•"/>
+              <a:defRPr sz="1600">
+                <a:solidFill>
+                  <a:srgbClr val="4D4D4D"/>
+                </a:solidFill>
+                <a:latin typeface="+mn-lt"/>
+              </a:defRPr>
+            </a:lvl3pPr>
+            <a:lvl4pPr marL="1600200" indent="-228600" algn="l" rtl="0" eaLnBrk="1" fontAlgn="base" hangingPunct="1">
+              <a:spcBef>
+                <a:spcPct val="20000"/>
+              </a:spcBef>
+              <a:spcAft>
+                <a:spcPct val="0"/>
+              </a:spcAft>
+              <a:buChar char="–"/>
+              <a:defRPr sz="1400">
+                <a:solidFill>
+                  <a:srgbClr val="4D4D4D"/>
+                </a:solidFill>
+                <a:latin typeface="+mn-lt"/>
+              </a:defRPr>
+            </a:lvl4pPr>
+            <a:lvl5pPr marL="2057400" indent="-228600" algn="l" rtl="0" eaLnBrk="1" fontAlgn="base" hangingPunct="1">
+              <a:spcBef>
+                <a:spcPct val="20000"/>
+              </a:spcBef>
+              <a:spcAft>
+                <a:spcPct val="0"/>
+              </a:spcAft>
+              <a:buChar char="»"/>
+              <a:defRPr sz="1200">
+                <a:solidFill>
+                  <a:srgbClr val="4D4D4D"/>
+                </a:solidFill>
+                <a:latin typeface="+mn-lt"/>
+              </a:defRPr>
+            </a:lvl5pPr>
+            <a:lvl6pPr marL="2514600" indent="-228600" algn="l" rtl="0" eaLnBrk="1" fontAlgn="base" hangingPunct="1">
+              <a:spcBef>
+                <a:spcPct val="20000"/>
+              </a:spcBef>
+              <a:spcAft>
+                <a:spcPct val="0"/>
+              </a:spcAft>
+              <a:buChar char="»"/>
+              <a:defRPr sz="1600">
+                <a:solidFill>
+                  <a:srgbClr val="4D4D4D"/>
+                </a:solidFill>
+                <a:latin typeface="+mn-lt"/>
+              </a:defRPr>
+            </a:lvl6pPr>
+            <a:lvl7pPr marL="2971800" indent="-228600" algn="l" rtl="0" eaLnBrk="1" fontAlgn="base" hangingPunct="1">
+              <a:spcBef>
+                <a:spcPct val="20000"/>
+              </a:spcBef>
+              <a:spcAft>
+                <a:spcPct val="0"/>
+              </a:spcAft>
+              <a:buChar char="»"/>
+              <a:defRPr sz="1600">
+                <a:solidFill>
+                  <a:srgbClr val="4D4D4D"/>
+                </a:solidFill>
+                <a:latin typeface="+mn-lt"/>
+              </a:defRPr>
+            </a:lvl7pPr>
+            <a:lvl8pPr marL="3429000" indent="-228600" algn="l" rtl="0" eaLnBrk="1" fontAlgn="base" hangingPunct="1">
+              <a:spcBef>
+                <a:spcPct val="20000"/>
+              </a:spcBef>
+              <a:spcAft>
+                <a:spcPct val="0"/>
+              </a:spcAft>
+              <a:buChar char="»"/>
+              <a:defRPr sz="1600">
+                <a:solidFill>
+                  <a:srgbClr val="4D4D4D"/>
+                </a:solidFill>
+                <a:latin typeface="+mn-lt"/>
+              </a:defRPr>
+            </a:lvl8pPr>
+            <a:lvl9pPr marL="3886200" indent="-228600" algn="l" rtl="0" eaLnBrk="1" fontAlgn="base" hangingPunct="1">
+              <a:spcBef>
+                <a:spcPct val="20000"/>
+              </a:spcBef>
+              <a:spcAft>
+                <a:spcPct val="0"/>
+              </a:spcAft>
+              <a:buChar char="»"/>
+              <a:defRPr sz="1600">
+                <a:solidFill>
+                  <a:srgbClr val="4D4D4D"/>
+                </a:solidFill>
+                <a:latin typeface="+mn-lt"/>
+              </a:defRPr>
+            </a:lvl9pPr>
+          </a:lstStyle>
+          <a:p>
+            <a:pPr marL="0" indent="0" algn="ctr">
+              <a:buFontTx/>
+              <a:buNone/>
+            </a:pPr>
+            <a:r>
+              <a:rPr lang="en-GB" kern="0" dirty="0"/>
+              <a:t>TP</a:t>
+            </a:r>
+          </a:p>
+        </p:txBody>
+      </p:sp>
+      <p:sp>
+        <p:nvSpPr>
+          <p:cNvPr id="20" name="Textplatzhalter 8">
+            <a:extLst>
+              <a:ext uri="{FF2B5EF4-FFF2-40B4-BE49-F238E27FC236}">
+                <a16:creationId xmlns:a16="http://schemas.microsoft.com/office/drawing/2014/main" id="{8F9F7A8D-2B7D-8208-5DFE-05B6F5F149F6}"/>
+              </a:ext>
+            </a:extLst>
+          </p:cNvPr>
+          <p:cNvSpPr txBox="1">
+            <a:spLocks/>
+          </p:cNvSpPr>
+          <p:nvPr/>
+        </p:nvSpPr>
+        <p:spPr>
+          <a:xfrm>
+            <a:off x="5867852" y="5031428"/>
+            <a:ext cx="756625" cy="539559"/>
+          </a:xfrm>
+          <a:prstGeom prst="rect">
+            <a:avLst/>
+          </a:prstGeom>
+        </p:spPr>
+        <p:txBody>
+          <a:bodyPr lIns="216000" anchor="ctr" anchorCtr="0">
+            <a:normAutofit/>
+          </a:bodyPr>
+          <a:lstStyle>
+            <a:lvl1pPr marL="342900" indent="-342900" algn="l" rtl="0" eaLnBrk="1" fontAlgn="base" hangingPunct="1">
+              <a:spcBef>
+                <a:spcPts val="600"/>
+              </a:spcBef>
+              <a:spcAft>
+                <a:spcPts val="600"/>
+              </a:spcAft>
+              <a:buChar char="•"/>
+              <a:defRPr sz="2000">
+                <a:solidFill>
+                  <a:schemeClr val="bg1"/>
+                </a:solidFill>
+                <a:latin typeface="+mn-lt"/>
+                <a:ea typeface="+mn-ea"/>
+                <a:cs typeface="+mn-cs"/>
+              </a:defRPr>
+            </a:lvl1pPr>
+            <a:lvl2pPr marL="742950" indent="-285750" algn="l" rtl="0" eaLnBrk="1" fontAlgn="base" hangingPunct="1">
+              <a:spcBef>
+                <a:spcPct val="20000"/>
+              </a:spcBef>
+              <a:spcAft>
+                <a:spcPct val="0"/>
+              </a:spcAft>
+              <a:buChar char="–"/>
+              <a:defRPr sz="1800">
+                <a:solidFill>
+                  <a:srgbClr val="4D4D4D"/>
+                </a:solidFill>
+                <a:latin typeface="+mn-lt"/>
+              </a:defRPr>
+            </a:lvl2pPr>
+            <a:lvl3pPr marL="1143000" indent="-228600" algn="l" rtl="0" eaLnBrk="1" fontAlgn="base" hangingPunct="1">
+              <a:spcBef>
+                <a:spcPct val="20000"/>
+              </a:spcBef>
+              <a:spcAft>
+                <a:spcPct val="0"/>
+              </a:spcAft>
+              <a:buChar char="•"/>
+              <a:defRPr sz="1600">
+                <a:solidFill>
+                  <a:srgbClr val="4D4D4D"/>
+                </a:solidFill>
+                <a:latin typeface="+mn-lt"/>
+              </a:defRPr>
+            </a:lvl3pPr>
+            <a:lvl4pPr marL="1600200" indent="-228600" algn="l" rtl="0" eaLnBrk="1" fontAlgn="base" hangingPunct="1">
+              <a:spcBef>
+                <a:spcPct val="20000"/>
+              </a:spcBef>
+              <a:spcAft>
+                <a:spcPct val="0"/>
+              </a:spcAft>
+              <a:buChar char="–"/>
+              <a:defRPr sz="1400">
+                <a:solidFill>
+                  <a:srgbClr val="4D4D4D"/>
+                </a:solidFill>
+                <a:latin typeface="+mn-lt"/>
+              </a:defRPr>
+            </a:lvl4pPr>
+            <a:lvl5pPr marL="2057400" indent="-228600" algn="l" rtl="0" eaLnBrk="1" fontAlgn="base" hangingPunct="1">
+              <a:spcBef>
+                <a:spcPct val="20000"/>
+              </a:spcBef>
+              <a:spcAft>
+                <a:spcPct val="0"/>
+              </a:spcAft>
+              <a:buChar char="»"/>
+              <a:defRPr sz="1200">
+                <a:solidFill>
+                  <a:srgbClr val="4D4D4D"/>
+                </a:solidFill>
+                <a:latin typeface="+mn-lt"/>
+              </a:defRPr>
+            </a:lvl5pPr>
+            <a:lvl6pPr marL="2514600" indent="-228600" algn="l" rtl="0" eaLnBrk="1" fontAlgn="base" hangingPunct="1">
+              <a:spcBef>
+                <a:spcPct val="20000"/>
+              </a:spcBef>
+              <a:spcAft>
+                <a:spcPct val="0"/>
+              </a:spcAft>
+              <a:buChar char="»"/>
+              <a:defRPr sz="1600">
+                <a:solidFill>
+                  <a:srgbClr val="4D4D4D"/>
+                </a:solidFill>
+                <a:latin typeface="+mn-lt"/>
+              </a:defRPr>
+            </a:lvl6pPr>
+            <a:lvl7pPr marL="2971800" indent="-228600" algn="l" rtl="0" eaLnBrk="1" fontAlgn="base" hangingPunct="1">
+              <a:spcBef>
+                <a:spcPct val="20000"/>
+              </a:spcBef>
+              <a:spcAft>
+                <a:spcPct val="0"/>
+              </a:spcAft>
+              <a:buChar char="»"/>
+              <a:defRPr sz="1600">
+                <a:solidFill>
+                  <a:srgbClr val="4D4D4D"/>
+                </a:solidFill>
+                <a:latin typeface="+mn-lt"/>
+              </a:defRPr>
+            </a:lvl7pPr>
+            <a:lvl8pPr marL="3429000" indent="-228600" algn="l" rtl="0" eaLnBrk="1" fontAlgn="base" hangingPunct="1">
+              <a:spcBef>
+                <a:spcPct val="20000"/>
+              </a:spcBef>
+              <a:spcAft>
+                <a:spcPct val="0"/>
+              </a:spcAft>
+              <a:buChar char="»"/>
+              <a:defRPr sz="1600">
+                <a:solidFill>
+                  <a:srgbClr val="4D4D4D"/>
+                </a:solidFill>
+                <a:latin typeface="+mn-lt"/>
+              </a:defRPr>
+            </a:lvl8pPr>
+            <a:lvl9pPr marL="3886200" indent="-228600" algn="l" rtl="0" eaLnBrk="1" fontAlgn="base" hangingPunct="1">
+              <a:spcBef>
+                <a:spcPct val="20000"/>
+              </a:spcBef>
+              <a:spcAft>
+                <a:spcPct val="0"/>
+              </a:spcAft>
+              <a:buChar char="»"/>
+              <a:defRPr sz="1600">
+                <a:solidFill>
+                  <a:srgbClr val="4D4D4D"/>
+                </a:solidFill>
+                <a:latin typeface="+mn-lt"/>
+              </a:defRPr>
+            </a:lvl9pPr>
+          </a:lstStyle>
+          <a:p>
+            <a:pPr marL="0" indent="0" algn="ctr">
+              <a:buFontTx/>
+              <a:buNone/>
+            </a:pPr>
+            <a:r>
+              <a:rPr lang="en-GB" kern="0" dirty="0"/>
+              <a:t>FN</a:t>
+            </a:r>
+          </a:p>
+        </p:txBody>
+      </p:sp>
+      <p:sp>
+        <p:nvSpPr>
+          <p:cNvPr id="21" name="Textplatzhalter 8">
+            <a:extLst>
+              <a:ext uri="{FF2B5EF4-FFF2-40B4-BE49-F238E27FC236}">
+                <a16:creationId xmlns:a16="http://schemas.microsoft.com/office/drawing/2014/main" id="{414F6A3E-EA56-83BC-B8C7-D4B57F25C744}"/>
+              </a:ext>
+            </a:extLst>
+          </p:cNvPr>
+          <p:cNvSpPr txBox="1">
+            <a:spLocks/>
+          </p:cNvSpPr>
+          <p:nvPr/>
+        </p:nvSpPr>
+        <p:spPr>
+          <a:xfrm>
+            <a:off x="6754661" y="5031428"/>
+            <a:ext cx="756625" cy="539559"/>
+          </a:xfrm>
+          <a:prstGeom prst="rect">
+            <a:avLst/>
+          </a:prstGeom>
+        </p:spPr>
+        <p:txBody>
+          <a:bodyPr lIns="216000" anchor="ctr" anchorCtr="0">
+            <a:normAutofit/>
+          </a:bodyPr>
+          <a:lstStyle>
+            <a:lvl1pPr marL="342900" indent="-342900" algn="l" rtl="0" eaLnBrk="1" fontAlgn="base" hangingPunct="1">
+              <a:spcBef>
+                <a:spcPts val="600"/>
+              </a:spcBef>
+              <a:spcAft>
+                <a:spcPts val="600"/>
+              </a:spcAft>
+              <a:buChar char="•"/>
+              <a:defRPr sz="2000">
+                <a:solidFill>
+                  <a:schemeClr val="bg1"/>
+                </a:solidFill>
+                <a:latin typeface="+mn-lt"/>
+                <a:ea typeface="+mn-ea"/>
+                <a:cs typeface="+mn-cs"/>
+              </a:defRPr>
+            </a:lvl1pPr>
+            <a:lvl2pPr marL="742950" indent="-285750" algn="l" rtl="0" eaLnBrk="1" fontAlgn="base" hangingPunct="1">
+              <a:spcBef>
+                <a:spcPct val="20000"/>
+              </a:spcBef>
+              <a:spcAft>
+                <a:spcPct val="0"/>
+              </a:spcAft>
+              <a:buChar char="–"/>
+              <a:defRPr sz="1800">
+                <a:solidFill>
+                  <a:srgbClr val="4D4D4D"/>
+                </a:solidFill>
+                <a:latin typeface="+mn-lt"/>
+              </a:defRPr>
+            </a:lvl2pPr>
+            <a:lvl3pPr marL="1143000" indent="-228600" algn="l" rtl="0" eaLnBrk="1" fontAlgn="base" hangingPunct="1">
+              <a:spcBef>
+                <a:spcPct val="20000"/>
+              </a:spcBef>
+              <a:spcAft>
+                <a:spcPct val="0"/>
+              </a:spcAft>
+              <a:buChar char="•"/>
+              <a:defRPr sz="1600">
+                <a:solidFill>
+                  <a:srgbClr val="4D4D4D"/>
+                </a:solidFill>
+                <a:latin typeface="+mn-lt"/>
+              </a:defRPr>
+            </a:lvl3pPr>
+            <a:lvl4pPr marL="1600200" indent="-228600" algn="l" rtl="0" eaLnBrk="1" fontAlgn="base" hangingPunct="1">
+              <a:spcBef>
+                <a:spcPct val="20000"/>
+              </a:spcBef>
+              <a:spcAft>
+                <a:spcPct val="0"/>
+              </a:spcAft>
+              <a:buChar char="–"/>
+              <a:defRPr sz="1400">
+                <a:solidFill>
+                  <a:srgbClr val="4D4D4D"/>
+                </a:solidFill>
+                <a:latin typeface="+mn-lt"/>
+              </a:defRPr>
+            </a:lvl4pPr>
+            <a:lvl5pPr marL="2057400" indent="-228600" algn="l" rtl="0" eaLnBrk="1" fontAlgn="base" hangingPunct="1">
+              <a:spcBef>
+                <a:spcPct val="20000"/>
+              </a:spcBef>
+              <a:spcAft>
+                <a:spcPct val="0"/>
+              </a:spcAft>
+              <a:buChar char="»"/>
+              <a:defRPr sz="1200">
+                <a:solidFill>
+                  <a:srgbClr val="4D4D4D"/>
+                </a:solidFill>
+                <a:latin typeface="+mn-lt"/>
+              </a:defRPr>
+            </a:lvl5pPr>
+            <a:lvl6pPr marL="2514600" indent="-228600" algn="l" rtl="0" eaLnBrk="1" fontAlgn="base" hangingPunct="1">
+              <a:spcBef>
+                <a:spcPct val="20000"/>
+              </a:spcBef>
+              <a:spcAft>
+                <a:spcPct val="0"/>
+              </a:spcAft>
+              <a:buChar char="»"/>
+              <a:defRPr sz="1600">
+                <a:solidFill>
+                  <a:srgbClr val="4D4D4D"/>
+                </a:solidFill>
+                <a:latin typeface="+mn-lt"/>
+              </a:defRPr>
+            </a:lvl6pPr>
+            <a:lvl7pPr marL="2971800" indent="-228600" algn="l" rtl="0" eaLnBrk="1" fontAlgn="base" hangingPunct="1">
+              <a:spcBef>
+                <a:spcPct val="20000"/>
+              </a:spcBef>
+              <a:spcAft>
+                <a:spcPct val="0"/>
+              </a:spcAft>
+              <a:buChar char="»"/>
+              <a:defRPr sz="1600">
+                <a:solidFill>
+                  <a:srgbClr val="4D4D4D"/>
+                </a:solidFill>
+                <a:latin typeface="+mn-lt"/>
+              </a:defRPr>
+            </a:lvl7pPr>
+            <a:lvl8pPr marL="3429000" indent="-228600" algn="l" rtl="0" eaLnBrk="1" fontAlgn="base" hangingPunct="1">
+              <a:spcBef>
+                <a:spcPct val="20000"/>
+              </a:spcBef>
+              <a:spcAft>
+                <a:spcPct val="0"/>
+              </a:spcAft>
+              <a:buChar char="»"/>
+              <a:defRPr sz="1600">
+                <a:solidFill>
+                  <a:srgbClr val="4D4D4D"/>
+                </a:solidFill>
+                <a:latin typeface="+mn-lt"/>
+              </a:defRPr>
+            </a:lvl8pPr>
+            <a:lvl9pPr marL="3886200" indent="-228600" algn="l" rtl="0" eaLnBrk="1" fontAlgn="base" hangingPunct="1">
+              <a:spcBef>
+                <a:spcPct val="20000"/>
+              </a:spcBef>
+              <a:spcAft>
+                <a:spcPct val="0"/>
+              </a:spcAft>
+              <a:buChar char="»"/>
+              <a:defRPr sz="1600">
+                <a:solidFill>
+                  <a:srgbClr val="4D4D4D"/>
+                </a:solidFill>
+                <a:latin typeface="+mn-lt"/>
+              </a:defRPr>
+            </a:lvl9pPr>
+          </a:lstStyle>
+          <a:p>
+            <a:pPr marL="0" indent="0" algn="ctr">
+              <a:buFontTx/>
+              <a:buNone/>
+            </a:pPr>
+            <a:r>
+              <a:rPr lang="en-GB" kern="0" dirty="0"/>
+              <a:t>FP</a:t>
+            </a:r>
+          </a:p>
+        </p:txBody>
+      </p:sp>
+      <p:sp>
+        <p:nvSpPr>
+          <p:cNvPr id="22" name="Textplatzhalter 8">
+            <a:extLst>
+              <a:ext uri="{FF2B5EF4-FFF2-40B4-BE49-F238E27FC236}">
+                <a16:creationId xmlns:a16="http://schemas.microsoft.com/office/drawing/2014/main" id="{E8DD2681-193C-99A7-9BA5-B10320106708}"/>
+              </a:ext>
+            </a:extLst>
+          </p:cNvPr>
+          <p:cNvSpPr txBox="1">
+            <a:spLocks/>
+          </p:cNvSpPr>
+          <p:nvPr/>
+        </p:nvSpPr>
+        <p:spPr>
+          <a:xfrm>
+            <a:off x="7622040" y="5031428"/>
+            <a:ext cx="756625" cy="539559"/>
+          </a:xfrm>
+          <a:prstGeom prst="rect">
+            <a:avLst/>
+          </a:prstGeom>
+        </p:spPr>
+        <p:txBody>
+          <a:bodyPr lIns="216000" anchor="ctr" anchorCtr="0">
+            <a:normAutofit/>
+          </a:bodyPr>
+          <a:lstStyle>
+            <a:lvl1pPr marL="342900" indent="-342900" algn="l" rtl="0" eaLnBrk="1" fontAlgn="base" hangingPunct="1">
+              <a:spcBef>
+                <a:spcPts val="600"/>
+              </a:spcBef>
+              <a:spcAft>
+                <a:spcPts val="600"/>
+              </a:spcAft>
+              <a:buChar char="•"/>
+              <a:defRPr sz="2000">
+                <a:solidFill>
+                  <a:schemeClr val="bg1"/>
+                </a:solidFill>
+                <a:latin typeface="+mn-lt"/>
+                <a:ea typeface="+mn-ea"/>
+                <a:cs typeface="+mn-cs"/>
+              </a:defRPr>
+            </a:lvl1pPr>
+            <a:lvl2pPr marL="742950" indent="-285750" algn="l" rtl="0" eaLnBrk="1" fontAlgn="base" hangingPunct="1">
+              <a:spcBef>
+                <a:spcPct val="20000"/>
+              </a:spcBef>
+              <a:spcAft>
+                <a:spcPct val="0"/>
+              </a:spcAft>
+              <a:buChar char="–"/>
+              <a:defRPr sz="1800">
+                <a:solidFill>
+                  <a:srgbClr val="4D4D4D"/>
+                </a:solidFill>
+                <a:latin typeface="+mn-lt"/>
+              </a:defRPr>
+            </a:lvl2pPr>
+            <a:lvl3pPr marL="1143000" indent="-228600" algn="l" rtl="0" eaLnBrk="1" fontAlgn="base" hangingPunct="1">
+              <a:spcBef>
+                <a:spcPct val="20000"/>
+              </a:spcBef>
+              <a:spcAft>
+                <a:spcPct val="0"/>
+              </a:spcAft>
+              <a:buChar char="•"/>
+              <a:defRPr sz="1600">
+                <a:solidFill>
+                  <a:srgbClr val="4D4D4D"/>
+                </a:solidFill>
+                <a:latin typeface="+mn-lt"/>
+              </a:defRPr>
+            </a:lvl3pPr>
+            <a:lvl4pPr marL="1600200" indent="-228600" algn="l" rtl="0" eaLnBrk="1" fontAlgn="base" hangingPunct="1">
+              <a:spcBef>
+                <a:spcPct val="20000"/>
+              </a:spcBef>
+              <a:spcAft>
+                <a:spcPct val="0"/>
+              </a:spcAft>
+              <a:buChar char="–"/>
+              <a:defRPr sz="1400">
+                <a:solidFill>
+                  <a:srgbClr val="4D4D4D"/>
+                </a:solidFill>
+                <a:latin typeface="+mn-lt"/>
+              </a:defRPr>
+            </a:lvl4pPr>
+            <a:lvl5pPr marL="2057400" indent="-228600" algn="l" rtl="0" eaLnBrk="1" fontAlgn="base" hangingPunct="1">
+              <a:spcBef>
+                <a:spcPct val="20000"/>
+              </a:spcBef>
+              <a:spcAft>
+                <a:spcPct val="0"/>
+              </a:spcAft>
+              <a:buChar char="»"/>
+              <a:defRPr sz="1200">
+                <a:solidFill>
+                  <a:srgbClr val="4D4D4D"/>
+                </a:solidFill>
+                <a:latin typeface="+mn-lt"/>
+              </a:defRPr>
+            </a:lvl5pPr>
+            <a:lvl6pPr marL="2514600" indent="-228600" algn="l" rtl="0" eaLnBrk="1" fontAlgn="base" hangingPunct="1">
+              <a:spcBef>
+                <a:spcPct val="20000"/>
+              </a:spcBef>
+              <a:spcAft>
+                <a:spcPct val="0"/>
+              </a:spcAft>
+              <a:buChar char="»"/>
+              <a:defRPr sz="1600">
+                <a:solidFill>
+                  <a:srgbClr val="4D4D4D"/>
+                </a:solidFill>
+                <a:latin typeface="+mn-lt"/>
+              </a:defRPr>
+            </a:lvl6pPr>
+            <a:lvl7pPr marL="2971800" indent="-228600" algn="l" rtl="0" eaLnBrk="1" fontAlgn="base" hangingPunct="1">
+              <a:spcBef>
+                <a:spcPct val="20000"/>
+              </a:spcBef>
+              <a:spcAft>
+                <a:spcPct val="0"/>
+              </a:spcAft>
+              <a:buChar char="»"/>
+              <a:defRPr sz="1600">
+                <a:solidFill>
+                  <a:srgbClr val="4D4D4D"/>
+                </a:solidFill>
+                <a:latin typeface="+mn-lt"/>
+              </a:defRPr>
+            </a:lvl7pPr>
+            <a:lvl8pPr marL="3429000" indent="-228600" algn="l" rtl="0" eaLnBrk="1" fontAlgn="base" hangingPunct="1">
+              <a:spcBef>
+                <a:spcPct val="20000"/>
+              </a:spcBef>
+              <a:spcAft>
+                <a:spcPct val="0"/>
+              </a:spcAft>
+              <a:buChar char="»"/>
+              <a:defRPr sz="1600">
+                <a:solidFill>
+                  <a:srgbClr val="4D4D4D"/>
+                </a:solidFill>
+                <a:latin typeface="+mn-lt"/>
+              </a:defRPr>
+            </a:lvl8pPr>
+            <a:lvl9pPr marL="3886200" indent="-228600" algn="l" rtl="0" eaLnBrk="1" fontAlgn="base" hangingPunct="1">
+              <a:spcBef>
+                <a:spcPct val="20000"/>
+              </a:spcBef>
+              <a:spcAft>
+                <a:spcPct val="0"/>
+              </a:spcAft>
+              <a:buChar char="»"/>
+              <a:defRPr sz="1600">
+                <a:solidFill>
+                  <a:srgbClr val="4D4D4D"/>
+                </a:solidFill>
+                <a:latin typeface="+mn-lt"/>
+              </a:defRPr>
+            </a:lvl9pPr>
+          </a:lstStyle>
+          <a:p>
+            <a:pPr marL="0" indent="0" algn="ctr">
+              <a:buFontTx/>
+              <a:buNone/>
+            </a:pPr>
+            <a:r>
+              <a:rPr lang="en-GB" kern="0" dirty="0"/>
+              <a:t>TN</a:t>
+            </a:r>
+          </a:p>
+        </p:txBody>
+      </p:sp>
     </p:spTree>
     <p:extLst>
       <p:ext uri="{BB962C8B-B14F-4D97-AF65-F5344CB8AC3E}">
@@ -31793,6 +35149,222 @@
                                   </p:childTnLst>
                                 </p:cTn>
                               </p:par>
+                              <p:par>
+                                <p:cTn id="25" presetID="1" presetClass="entr" presetSubtype="0" fill="hold" grpId="0" nodeType="withEffect">
+                                  <p:stCondLst>
+                                    <p:cond delay="0"/>
+                                  </p:stCondLst>
+                                  <p:childTnLst>
+                                    <p:set>
+                                      <p:cBhvr>
+                                        <p:cTn id="26" dur="1" fill="hold">
+                                          <p:stCondLst>
+                                            <p:cond delay="0"/>
+                                          </p:stCondLst>
+                                        </p:cTn>
+                                        <p:tgtEl>
+                                          <p:spTgt spid="6"/>
+                                        </p:tgtEl>
+                                        <p:attrNameLst>
+                                          <p:attrName>style.visibility</p:attrName>
+                                        </p:attrNameLst>
+                                      </p:cBhvr>
+                                      <p:to>
+                                        <p:strVal val="visible"/>
+                                      </p:to>
+                                    </p:set>
+                                  </p:childTnLst>
+                                </p:cTn>
+                              </p:par>
+                              <p:par>
+                                <p:cTn id="27" presetID="1" presetClass="entr" presetSubtype="0" fill="hold" grpId="0" nodeType="withEffect">
+                                  <p:stCondLst>
+                                    <p:cond delay="0"/>
+                                  </p:stCondLst>
+                                  <p:childTnLst>
+                                    <p:set>
+                                      <p:cBhvr>
+                                        <p:cTn id="28" dur="1" fill="hold">
+                                          <p:stCondLst>
+                                            <p:cond delay="0"/>
+                                          </p:stCondLst>
+                                        </p:cTn>
+                                        <p:tgtEl>
+                                          <p:spTgt spid="8"/>
+                                        </p:tgtEl>
+                                        <p:attrNameLst>
+                                          <p:attrName>style.visibility</p:attrName>
+                                        </p:attrNameLst>
+                                      </p:cBhvr>
+                                      <p:to>
+                                        <p:strVal val="visible"/>
+                                      </p:to>
+                                    </p:set>
+                                  </p:childTnLst>
+                                </p:cTn>
+                              </p:par>
+                              <p:par>
+                                <p:cTn id="29" presetID="1" presetClass="entr" presetSubtype="0" fill="hold" grpId="0" nodeType="withEffect">
+                                  <p:stCondLst>
+                                    <p:cond delay="0"/>
+                                  </p:stCondLst>
+                                  <p:childTnLst>
+                                    <p:set>
+                                      <p:cBhvr>
+                                        <p:cTn id="30" dur="1" fill="hold">
+                                          <p:stCondLst>
+                                            <p:cond delay="0"/>
+                                          </p:stCondLst>
+                                        </p:cTn>
+                                        <p:tgtEl>
+                                          <p:spTgt spid="9"/>
+                                        </p:tgtEl>
+                                        <p:attrNameLst>
+                                          <p:attrName>style.visibility</p:attrName>
+                                        </p:attrNameLst>
+                                      </p:cBhvr>
+                                      <p:to>
+                                        <p:strVal val="visible"/>
+                                      </p:to>
+                                    </p:set>
+                                  </p:childTnLst>
+                                </p:cTn>
+                              </p:par>
+                              <p:par>
+                                <p:cTn id="31" presetID="1" presetClass="entr" presetSubtype="0" fill="hold" grpId="0" nodeType="withEffect">
+                                  <p:stCondLst>
+                                    <p:cond delay="0"/>
+                                  </p:stCondLst>
+                                  <p:childTnLst>
+                                    <p:set>
+                                      <p:cBhvr>
+                                        <p:cTn id="32" dur="1" fill="hold">
+                                          <p:stCondLst>
+                                            <p:cond delay="0"/>
+                                          </p:stCondLst>
+                                        </p:cTn>
+                                        <p:tgtEl>
+                                          <p:spTgt spid="11"/>
+                                        </p:tgtEl>
+                                        <p:attrNameLst>
+                                          <p:attrName>style.visibility</p:attrName>
+                                        </p:attrNameLst>
+                                      </p:cBhvr>
+                                      <p:to>
+                                        <p:strVal val="visible"/>
+                                      </p:to>
+                                    </p:set>
+                                  </p:childTnLst>
+                                </p:cTn>
+                              </p:par>
+                              <p:par>
+                                <p:cTn id="33" presetID="1" presetClass="entr" presetSubtype="0" fill="hold" grpId="0" nodeType="withEffect">
+                                  <p:stCondLst>
+                                    <p:cond delay="0"/>
+                                  </p:stCondLst>
+                                  <p:childTnLst>
+                                    <p:set>
+                                      <p:cBhvr>
+                                        <p:cTn id="34" dur="1" fill="hold">
+                                          <p:stCondLst>
+                                            <p:cond delay="0"/>
+                                          </p:stCondLst>
+                                        </p:cTn>
+                                        <p:tgtEl>
+                                          <p:spTgt spid="19"/>
+                                        </p:tgtEl>
+                                        <p:attrNameLst>
+                                          <p:attrName>style.visibility</p:attrName>
+                                        </p:attrNameLst>
+                                      </p:cBhvr>
+                                      <p:to>
+                                        <p:strVal val="visible"/>
+                                      </p:to>
+                                    </p:set>
+                                  </p:childTnLst>
+                                </p:cTn>
+                              </p:par>
+                              <p:par>
+                                <p:cTn id="35" presetID="1" presetClass="entr" presetSubtype="0" fill="hold" grpId="0" nodeType="withEffect">
+                                  <p:stCondLst>
+                                    <p:cond delay="0"/>
+                                  </p:stCondLst>
+                                  <p:childTnLst>
+                                    <p:set>
+                                      <p:cBhvr>
+                                        <p:cTn id="36" dur="1" fill="hold">
+                                          <p:stCondLst>
+                                            <p:cond delay="0"/>
+                                          </p:stCondLst>
+                                        </p:cTn>
+                                        <p:tgtEl>
+                                          <p:spTgt spid="20"/>
+                                        </p:tgtEl>
+                                        <p:attrNameLst>
+                                          <p:attrName>style.visibility</p:attrName>
+                                        </p:attrNameLst>
+                                      </p:cBhvr>
+                                      <p:to>
+                                        <p:strVal val="visible"/>
+                                      </p:to>
+                                    </p:set>
+                                  </p:childTnLst>
+                                </p:cTn>
+                              </p:par>
+                              <p:par>
+                                <p:cTn id="37" presetID="1" presetClass="entr" presetSubtype="0" fill="hold" grpId="0" nodeType="withEffect">
+                                  <p:stCondLst>
+                                    <p:cond delay="0"/>
+                                  </p:stCondLst>
+                                  <p:childTnLst>
+                                    <p:set>
+                                      <p:cBhvr>
+                                        <p:cTn id="38" dur="1" fill="hold">
+                                          <p:stCondLst>
+                                            <p:cond delay="0"/>
+                                          </p:stCondLst>
+                                        </p:cTn>
+                                        <p:tgtEl>
+                                          <p:spTgt spid="21"/>
+                                        </p:tgtEl>
+                                        <p:attrNameLst>
+                                          <p:attrName>style.visibility</p:attrName>
+                                        </p:attrNameLst>
+                                      </p:cBhvr>
+                                      <p:to>
+                                        <p:strVal val="visible"/>
+                                      </p:to>
+                                    </p:set>
+                                  </p:childTnLst>
+                                </p:cTn>
+                              </p:par>
+                              <p:par>
+                                <p:cTn id="39" presetID="1" presetClass="entr" presetSubtype="0" fill="hold" grpId="0" nodeType="withEffect">
+                                  <p:stCondLst>
+                                    <p:cond delay="0"/>
+                                  </p:stCondLst>
+                                  <p:childTnLst>
+                                    <p:set>
+                                      <p:cBhvr>
+                                        <p:cTn id="40" dur="1" fill="hold">
+                                          <p:stCondLst>
+                                            <p:cond delay="0"/>
+                                          </p:stCondLst>
+                                        </p:cTn>
+                                        <p:tgtEl>
+                                          <p:spTgt spid="22"/>
+                                        </p:tgtEl>
+                                        <p:attrNameLst>
+                                          <p:attrName>style.visibility</p:attrName>
+                                        </p:attrNameLst>
+                                      </p:cBhvr>
+                                      <p:to>
+                                        <p:strVal val="visible"/>
+                                      </p:to>
+                                    </p:set>
+                                  </p:childTnLst>
+                                </p:cTn>
+                              </p:par>
                             </p:childTnLst>
                           </p:cTn>
                         </p:par>
@@ -31825,6 +35397,14 @@
       <p:bldP spid="15" grpId="0"/>
       <p:bldP spid="16" grpId="0" animBg="1"/>
       <p:bldP spid="17" grpId="0"/>
+      <p:bldP spid="6" grpId="0"/>
+      <p:bldP spid="8" grpId="0"/>
+      <p:bldP spid="9" grpId="0"/>
+      <p:bldP spid="11" grpId="0"/>
+      <p:bldP spid="19" grpId="0"/>
+      <p:bldP spid="20" grpId="0"/>
+      <p:bldP spid="21" grpId="0"/>
+      <p:bldP spid="22" grpId="0"/>
     </p:bldLst>
   </p:timing>
 </p:sld>
